--- a/picture/ppt/cpu-catch-memory/cpu-catch-memory.pptx
+++ b/picture/ppt/cpu-catch-memory/cpu-catch-memory.pptx
@@ -11,9 +11,9 @@
     <p:handoutMasterId r:id="rId5"/>
   </p:handoutMasterIdLst>
   <p:sldIdLst>
-    <p:sldId id="256" r:id="rId3"/>
+    <p:sldId id="257" r:id="rId3"/>
   </p:sldIdLst>
-  <p:sldSz cx="6858000" cy="9903460" type="A4"/>
+  <p:sldSz cx="9903460" cy="6858000" type="A4"/>
   <p:notesSz cx="7103745" cy="10234295"/>
   <p:defaultTextStyle>
     <a:defPPr>
@@ -370,8 +370,8 @@
         </p:nvSpPr>
         <p:spPr>
           <a:xfrm>
-            <a:off x="2356781" y="1279525"/>
-            <a:ext cx="2392087" cy="3454400"/>
+            <a:off x="1058584" y="1279525"/>
+            <a:ext cx="4988480" cy="3454400"/>
           </a:xfrm>
           <a:prstGeom prst="rect">
             <a:avLst/>
@@ -647,8 +647,8 @@
         </p:nvSpPr>
         <p:spPr>
           <a:xfrm>
-            <a:off x="857250" y="1910482"/>
-            <a:ext cx="5143500" cy="3158236"/>
+            <a:off x="1237950" y="1322981"/>
+            <a:ext cx="7427700" cy="2187032"/>
           </a:xfrm>
         </p:spPr>
         <p:txBody>
@@ -660,7 +660,7 @@
               <a:lnSpc>
                 <a:spcPct val="130000"/>
               </a:lnSpc>
-              <a:defRPr sz="4500">
+              <a:defRPr sz="6000">
                 <a:effectLst>
                   <a:outerShdw blurRad="38100" dist="38100" dir="2700000" algn="tl">
                     <a:srgbClr val="000000">
@@ -755,8 +755,8 @@
         </p:nvSpPr>
         <p:spPr>
           <a:xfrm>
-            <a:off x="857250" y="5201683"/>
-            <a:ext cx="5143500" cy="2391077"/>
+            <a:off x="1237950" y="3602089"/>
+            <a:ext cx="7427700" cy="1655786"/>
           </a:xfrm>
         </p:spPr>
         <p:txBody>
@@ -766,7 +766,7 @@
           <a:lstStyle>
             <a:lvl1pPr marL="0" indent="0" algn="ctr">
               <a:buNone/>
-              <a:defRPr sz="1350">
+              <a:defRPr sz="1800">
                 <a:solidFill>
                   <a:schemeClr val="tx1">
                     <a:lumMod val="75000"/>
@@ -778,37 +778,37 @@
                 <a:ea typeface="+mj-ea"/>
               </a:defRPr>
             </a:lvl1pPr>
-            <a:lvl2pPr marL="342900" indent="0" algn="ctr">
+            <a:lvl2pPr marL="457200" indent="0" algn="ctr">
               <a:buNone/>
-              <a:defRPr sz="1500"/>
+              <a:defRPr sz="2000"/>
             </a:lvl2pPr>
-            <a:lvl3pPr marL="685800" indent="0" algn="ctr">
+            <a:lvl3pPr marL="914400" indent="0" algn="ctr">
               <a:buNone/>
-              <a:defRPr sz="1350"/>
+              <a:defRPr sz="1800"/>
             </a:lvl3pPr>
-            <a:lvl4pPr marL="1028700" indent="0" algn="ctr">
+            <a:lvl4pPr marL="1371600" indent="0" algn="ctr">
               <a:buNone/>
-              <a:defRPr sz="1200"/>
+              <a:defRPr sz="1600"/>
             </a:lvl4pPr>
-            <a:lvl5pPr marL="1371600" indent="0" algn="ctr">
+            <a:lvl5pPr marL="1828800" indent="0" algn="ctr">
               <a:buNone/>
-              <a:defRPr sz="1200"/>
+              <a:defRPr sz="1600"/>
             </a:lvl5pPr>
-            <a:lvl6pPr marL="1714500" indent="0" algn="ctr">
+            <a:lvl6pPr marL="2286000" indent="0" algn="ctr">
               <a:buNone/>
-              <a:defRPr sz="1200"/>
+              <a:defRPr sz="1600"/>
             </a:lvl6pPr>
-            <a:lvl7pPr marL="2057400" indent="0" algn="ctr">
+            <a:lvl7pPr marL="2743200" indent="0" algn="ctr">
               <a:buNone/>
-              <a:defRPr sz="1200"/>
+              <a:defRPr sz="1600"/>
             </a:lvl7pPr>
-            <a:lvl8pPr marL="2400300" indent="0" algn="ctr">
+            <a:lvl8pPr marL="3200400" indent="0" algn="ctr">
               <a:buNone/>
-              <a:defRPr sz="1200"/>
+              <a:defRPr sz="1600"/>
             </a:lvl8pPr>
-            <a:lvl9pPr marL="2743200" indent="0" algn="ctr">
+            <a:lvl9pPr marL="3657600" indent="0" algn="ctr">
               <a:buNone/>
-              <a:defRPr sz="1200"/>
+              <a:defRPr sz="1600"/>
             </a:lvl9pPr>
           </a:lstStyle>
           <a:p>
@@ -920,8 +920,8 @@
         </p:nvSpPr>
         <p:spPr>
           <a:xfrm>
-            <a:off x="471488" y="796480"/>
-            <a:ext cx="5915025" cy="8027679"/>
+            <a:off x="680873" y="551551"/>
+            <a:ext cx="8541855" cy="5559049"/>
           </a:xfrm>
         </p:spPr>
         <p:txBody>
@@ -1006,8 +1006,8 @@
         </p:nvSpPr>
         <p:spPr>
           <a:xfrm>
-            <a:off x="364331" y="373219"/>
-            <a:ext cx="5915025" cy="1914238"/>
+            <a:off x="526128" y="258449"/>
+            <a:ext cx="8541855" cy="1325582"/>
           </a:xfrm>
         </p:spPr>
         <p:txBody>
@@ -1016,7 +1016,7 @@
           </a:bodyPr>
           <a:lstStyle>
             <a:lvl1pPr>
-              <a:defRPr sz="1800" b="1">
+              <a:defRPr sz="2400" b="1">
                 <a:effectLst>
                   <a:outerShdw blurRad="38100" dist="38100" dir="2700000" algn="tl">
                     <a:srgbClr val="000000">
@@ -1048,8 +1048,8 @@
         </p:nvSpPr>
         <p:spPr>
           <a:xfrm>
-            <a:off x="364331" y="2636375"/>
-            <a:ext cx="5915025" cy="6283743"/>
+            <a:off x="526128" y="1825651"/>
+            <a:ext cx="8541855" cy="4351399"/>
           </a:xfrm>
         </p:spPr>
         <p:txBody>
@@ -1058,7 +1058,7 @@
           </a:bodyPr>
           <a:lstStyle>
             <a:lvl1pPr>
-              <a:defRPr sz="1500">
+              <a:defRPr sz="2000">
                 <a:solidFill>
                   <a:schemeClr val="tx1">
                     <a:lumMod val="75000"/>
@@ -1068,7 +1068,7 @@
               </a:defRPr>
             </a:lvl1pPr>
             <a:lvl2pPr>
-              <a:defRPr sz="1350">
+              <a:defRPr sz="1800">
                 <a:solidFill>
                   <a:schemeClr val="tx1">
                     <a:lumMod val="75000"/>
@@ -1078,7 +1078,7 @@
               </a:defRPr>
             </a:lvl2pPr>
             <a:lvl3pPr>
-              <a:defRPr sz="1200">
+              <a:defRPr sz="1600">
                 <a:solidFill>
                   <a:schemeClr val="tx1">
                     <a:lumMod val="75000"/>
@@ -1088,7 +1088,7 @@
               </a:defRPr>
             </a:lvl3pPr>
             <a:lvl4pPr>
-              <a:defRPr sz="1200">
+              <a:defRPr sz="1600">
                 <a:solidFill>
                   <a:schemeClr val="tx1">
                     <a:lumMod val="75000"/>
@@ -1098,7 +1098,7 @@
               </a:defRPr>
             </a:lvl4pPr>
             <a:lvl5pPr>
-              <a:defRPr sz="1200">
+              <a:defRPr sz="1600">
                 <a:solidFill>
                   <a:schemeClr val="tx1">
                     <a:lumMod val="75000"/>
@@ -1250,8 +1250,8 @@
         </p:nvSpPr>
         <p:spPr>
           <a:xfrm>
-            <a:off x="467916" y="5416967"/>
-            <a:ext cx="4118372" cy="1171676"/>
+            <a:off x="675715" y="3751170"/>
+            <a:ext cx="5947318" cy="811368"/>
           </a:xfrm>
         </p:spPr>
         <p:txBody>
@@ -1260,7 +1260,7 @@
           </a:bodyPr>
           <a:lstStyle>
             <a:lvl1pPr>
-              <a:defRPr sz="3000">
+              <a:defRPr sz="4000">
                 <a:effectLst>
                   <a:outerShdw blurRad="38100" dist="38100" dir="2700000" algn="tl">
                     <a:srgbClr val="000000">
@@ -1292,8 +1292,8 @@
         </p:nvSpPr>
         <p:spPr>
           <a:xfrm>
-            <a:off x="467916" y="6657316"/>
-            <a:ext cx="4118372" cy="935131"/>
+            <a:off x="675715" y="4610093"/>
+            <a:ext cx="5947318" cy="647564"/>
           </a:xfrm>
         </p:spPr>
         <p:txBody>
@@ -1303,15 +1303,15 @@
           <a:lstStyle>
             <a:lvl1pPr marL="0" indent="0">
               <a:buNone/>
-              <a:defRPr sz="1350">
+              <a:defRPr sz="1800">
                 <a:solidFill>
                   <a:schemeClr val="tx1"/>
                 </a:solidFill>
               </a:defRPr>
             </a:lvl1pPr>
-            <a:lvl2pPr marL="342900" indent="0">
+            <a:lvl2pPr marL="457200" indent="0">
               <a:buNone/>
-              <a:defRPr sz="1500">
+              <a:defRPr sz="2000">
                 <a:solidFill>
                   <a:schemeClr val="tx1">
                     <a:tint val="75000"/>
@@ -1319,9 +1319,9 @@
                 </a:solidFill>
               </a:defRPr>
             </a:lvl2pPr>
-            <a:lvl3pPr marL="685800" indent="0">
+            <a:lvl3pPr marL="914400" indent="0">
               <a:buNone/>
-              <a:defRPr sz="1350">
+              <a:defRPr sz="1800">
                 <a:solidFill>
                   <a:schemeClr val="tx1">
                     <a:tint val="75000"/>
@@ -1329,9 +1329,9 @@
                 </a:solidFill>
               </a:defRPr>
             </a:lvl3pPr>
-            <a:lvl4pPr marL="1028700" indent="0">
+            <a:lvl4pPr marL="1371600" indent="0">
               <a:buNone/>
-              <a:defRPr sz="1200">
+              <a:defRPr sz="1600">
                 <a:solidFill>
                   <a:schemeClr val="tx1">
                     <a:tint val="75000"/>
@@ -1339,9 +1339,9 @@
                 </a:solidFill>
               </a:defRPr>
             </a:lvl4pPr>
-            <a:lvl5pPr marL="1371600" indent="0">
+            <a:lvl5pPr marL="1828800" indent="0">
               <a:buNone/>
-              <a:defRPr sz="1200">
+              <a:defRPr sz="1600">
                 <a:solidFill>
                   <a:schemeClr val="tx1">
                     <a:tint val="75000"/>
@@ -1349,9 +1349,9 @@
                 </a:solidFill>
               </a:defRPr>
             </a:lvl5pPr>
-            <a:lvl6pPr marL="1714500" indent="0">
+            <a:lvl6pPr marL="2286000" indent="0">
               <a:buNone/>
-              <a:defRPr sz="1200">
+              <a:defRPr sz="1600">
                 <a:solidFill>
                   <a:schemeClr val="tx1">
                     <a:tint val="75000"/>
@@ -1359,9 +1359,9 @@
                 </a:solidFill>
               </a:defRPr>
             </a:lvl6pPr>
-            <a:lvl7pPr marL="2057400" indent="0">
+            <a:lvl7pPr marL="2743200" indent="0">
               <a:buNone/>
-              <a:defRPr sz="1200">
+              <a:defRPr sz="1600">
                 <a:solidFill>
                   <a:schemeClr val="tx1">
                     <a:tint val="75000"/>
@@ -1369,9 +1369,9 @@
                 </a:solidFill>
               </a:defRPr>
             </a:lvl7pPr>
-            <a:lvl8pPr marL="2400300" indent="0">
+            <a:lvl8pPr marL="3200400" indent="0">
               <a:buNone/>
-              <a:defRPr sz="1200">
+              <a:defRPr sz="1600">
                 <a:solidFill>
                   <a:schemeClr val="tx1">
                     <a:tint val="75000"/>
@@ -1379,9 +1379,9 @@
                 </a:solidFill>
               </a:defRPr>
             </a:lvl8pPr>
-            <a:lvl9pPr marL="2743200" indent="0">
+            <a:lvl9pPr marL="3657600" indent="0">
               <a:buNone/>
-              <a:defRPr sz="1200">
+              <a:defRPr sz="1600">
                 <a:solidFill>
                   <a:schemeClr val="tx1">
                     <a:tint val="75000"/>
@@ -1500,8 +1500,8 @@
         </p:nvSpPr>
         <p:spPr>
           <a:xfrm>
-            <a:off x="364331" y="373219"/>
-            <a:ext cx="5915025" cy="1914238"/>
+            <a:off x="526128" y="258449"/>
+            <a:ext cx="8541855" cy="1325582"/>
           </a:xfrm>
         </p:spPr>
         <p:txBody>
@@ -1510,7 +1510,7 @@
           </a:bodyPr>
           <a:lstStyle>
             <a:lvl1pPr>
-              <a:defRPr sz="1800" b="1" i="0">
+              <a:defRPr sz="2400" b="1" i="0">
                 <a:effectLst>
                   <a:outerShdw blurRad="38100" dist="38100" dir="2700000" algn="tl">
                     <a:srgbClr val="000000">
@@ -1542,8 +1542,8 @@
         </p:nvSpPr>
         <p:spPr>
           <a:xfrm>
-            <a:off x="364331" y="2636375"/>
-            <a:ext cx="2914650" cy="6283743"/>
+            <a:off x="526128" y="1825651"/>
+            <a:ext cx="4209030" cy="4351399"/>
           </a:xfrm>
         </p:spPr>
         <p:txBody>
@@ -1555,7 +1555,7 @@
               <a:lnSpc>
                 <a:spcPct val="150000"/>
               </a:lnSpc>
-              <a:defRPr sz="1500">
+              <a:defRPr sz="2000">
                 <a:solidFill>
                   <a:schemeClr val="tx1">
                     <a:lumMod val="75000"/>
@@ -1568,7 +1568,7 @@
               <a:lnSpc>
                 <a:spcPct val="150000"/>
               </a:lnSpc>
-              <a:defRPr sz="1350">
+              <a:defRPr sz="1800">
                 <a:solidFill>
                   <a:schemeClr val="tx1">
                     <a:lumMod val="75000"/>
@@ -1581,7 +1581,7 @@
               <a:lnSpc>
                 <a:spcPct val="150000"/>
               </a:lnSpc>
-              <a:defRPr sz="1200">
+              <a:defRPr sz="1600">
                 <a:solidFill>
                   <a:schemeClr val="tx1">
                     <a:lumMod val="75000"/>
@@ -1594,7 +1594,7 @@
               <a:lnSpc>
                 <a:spcPct val="150000"/>
               </a:lnSpc>
-              <a:defRPr sz="1200">
+              <a:defRPr sz="1600">
                 <a:solidFill>
                   <a:schemeClr val="tx1">
                     <a:lumMod val="75000"/>
@@ -1607,7 +1607,7 @@
               <a:lnSpc>
                 <a:spcPct val="150000"/>
               </a:lnSpc>
-              <a:defRPr sz="1200">
+              <a:defRPr sz="1600">
                 <a:solidFill>
                   <a:schemeClr val="tx1">
                     <a:lumMod val="75000"/>
@@ -1671,8 +1671,8 @@
         </p:nvSpPr>
         <p:spPr>
           <a:xfrm>
-            <a:off x="3364706" y="2636375"/>
-            <a:ext cx="2914650" cy="6283743"/>
+            <a:off x="4858953" y="1825651"/>
+            <a:ext cx="4209030" cy="4351399"/>
           </a:xfrm>
         </p:spPr>
         <p:txBody>
@@ -1684,7 +1684,7 @@
               <a:lnSpc>
                 <a:spcPct val="150000"/>
               </a:lnSpc>
-              <a:defRPr sz="1500">
+              <a:defRPr sz="2000">
                 <a:solidFill>
                   <a:schemeClr val="tx1">
                     <a:lumMod val="75000"/>
@@ -1697,7 +1697,7 @@
               <a:lnSpc>
                 <a:spcPct val="150000"/>
               </a:lnSpc>
-              <a:defRPr sz="1350">
+              <a:defRPr sz="1800">
                 <a:solidFill>
                   <a:schemeClr val="tx1">
                     <a:lumMod val="75000"/>
@@ -1710,7 +1710,7 @@
               <a:lnSpc>
                 <a:spcPct val="150000"/>
               </a:lnSpc>
-              <a:defRPr sz="1200">
+              <a:defRPr sz="1600">
                 <a:solidFill>
                   <a:schemeClr val="tx1">
                     <a:lumMod val="75000"/>
@@ -1723,7 +1723,7 @@
               <a:lnSpc>
                 <a:spcPct val="150000"/>
               </a:lnSpc>
-              <a:defRPr sz="1200">
+              <a:defRPr sz="1600">
                 <a:solidFill>
                   <a:schemeClr val="tx1">
                     <a:lumMod val="75000"/>
@@ -1736,7 +1736,7 @@
               <a:lnSpc>
                 <a:spcPct val="150000"/>
               </a:lnSpc>
-              <a:defRPr sz="1200">
+              <a:defRPr sz="1600">
                 <a:solidFill>
                   <a:schemeClr val="tx1">
                     <a:lumMod val="75000"/>
@@ -1888,8 +1888,8 @@
         </p:nvSpPr>
         <p:spPr>
           <a:xfrm>
-            <a:off x="472381" y="527275"/>
-            <a:ext cx="5915025" cy="1914238"/>
+            <a:off x="682163" y="365130"/>
+            <a:ext cx="8541855" cy="1325582"/>
           </a:xfrm>
         </p:spPr>
         <p:txBody>
@@ -1916,8 +1916,8 @@
         </p:nvSpPr>
         <p:spPr>
           <a:xfrm>
-            <a:off x="472381" y="2519889"/>
-            <a:ext cx="2901255" cy="1189807"/>
+            <a:off x="682163" y="1744986"/>
+            <a:ext cx="4189686" cy="823924"/>
           </a:xfrm>
         </p:spPr>
         <p:txBody>
@@ -1925,39 +1925,39 @@
           <a:lstStyle>
             <a:lvl1pPr marL="0" indent="0">
               <a:buNone/>
+              <a:defRPr sz="2400" b="1"/>
+            </a:lvl1pPr>
+            <a:lvl2pPr marL="457200" indent="0">
+              <a:buNone/>
+              <a:defRPr sz="2000" b="1"/>
+            </a:lvl2pPr>
+            <a:lvl3pPr marL="914400" indent="0">
+              <a:buNone/>
               <a:defRPr sz="1800" b="1"/>
-            </a:lvl1pPr>
-            <a:lvl2pPr marL="342900" indent="0">
+            </a:lvl3pPr>
+            <a:lvl4pPr marL="1371600" indent="0">
               <a:buNone/>
-              <a:defRPr sz="1500" b="1"/>
-            </a:lvl2pPr>
-            <a:lvl3pPr marL="685800" indent="0">
+              <a:defRPr sz="1600" b="1"/>
+            </a:lvl4pPr>
+            <a:lvl5pPr marL="1828800" indent="0">
               <a:buNone/>
-              <a:defRPr sz="1350" b="1"/>
-            </a:lvl3pPr>
-            <a:lvl4pPr marL="1028700" indent="0">
+              <a:defRPr sz="1600" b="1"/>
+            </a:lvl5pPr>
+            <a:lvl6pPr marL="2286000" indent="0">
               <a:buNone/>
-              <a:defRPr sz="1200" b="1"/>
-            </a:lvl4pPr>
-            <a:lvl5pPr marL="1371600" indent="0">
+              <a:defRPr sz="1600" b="1"/>
+            </a:lvl6pPr>
+            <a:lvl7pPr marL="2743200" indent="0">
               <a:buNone/>
-              <a:defRPr sz="1200" b="1"/>
-            </a:lvl5pPr>
-            <a:lvl6pPr marL="1714500" indent="0">
+              <a:defRPr sz="1600" b="1"/>
+            </a:lvl7pPr>
+            <a:lvl8pPr marL="3200400" indent="0">
               <a:buNone/>
-              <a:defRPr sz="1200" b="1"/>
-            </a:lvl6pPr>
-            <a:lvl7pPr marL="2057400" indent="0">
+              <a:defRPr sz="1600" b="1"/>
+            </a:lvl8pPr>
+            <a:lvl9pPr marL="3657600" indent="0">
               <a:buNone/>
-              <a:defRPr sz="1200" b="1"/>
-            </a:lvl7pPr>
-            <a:lvl8pPr marL="2400300" indent="0">
-              <a:buNone/>
-              <a:defRPr sz="1200" b="1"/>
-            </a:lvl8pPr>
-            <a:lvl9pPr marL="2743200" indent="0">
-              <a:buNone/>
-              <a:defRPr sz="1200" b="1"/>
+              <a:defRPr sz="1600" b="1"/>
             </a:lvl9pPr>
           </a:lstStyle>
           <a:p>
@@ -1982,8 +1982,8 @@
         </p:nvSpPr>
         <p:spPr>
           <a:xfrm>
-            <a:off x="472381" y="3777187"/>
-            <a:ext cx="2901255" cy="5161272"/>
+            <a:off x="682163" y="2615646"/>
+            <a:ext cx="4189686" cy="3574105"/>
           </a:xfrm>
         </p:spPr>
         <p:txBody>
@@ -2043,8 +2043,8 @@
         </p:nvSpPr>
         <p:spPr>
           <a:xfrm>
-            <a:off x="3471863" y="2519889"/>
-            <a:ext cx="2915543" cy="1189807"/>
+            <a:off x="5013698" y="1744986"/>
+            <a:ext cx="4210320" cy="823924"/>
           </a:xfrm>
         </p:spPr>
         <p:txBody>
@@ -2052,39 +2052,39 @@
           <a:lstStyle>
             <a:lvl1pPr marL="0" indent="0">
               <a:buNone/>
+              <a:defRPr sz="2400" b="1"/>
+            </a:lvl1pPr>
+            <a:lvl2pPr marL="457200" indent="0">
+              <a:buNone/>
+              <a:defRPr sz="2000" b="1"/>
+            </a:lvl2pPr>
+            <a:lvl3pPr marL="914400" indent="0">
+              <a:buNone/>
               <a:defRPr sz="1800" b="1"/>
-            </a:lvl1pPr>
-            <a:lvl2pPr marL="342900" indent="0">
+            </a:lvl3pPr>
+            <a:lvl4pPr marL="1371600" indent="0">
               <a:buNone/>
-              <a:defRPr sz="1500" b="1"/>
-            </a:lvl2pPr>
-            <a:lvl3pPr marL="685800" indent="0">
+              <a:defRPr sz="1600" b="1"/>
+            </a:lvl4pPr>
+            <a:lvl5pPr marL="1828800" indent="0">
               <a:buNone/>
-              <a:defRPr sz="1350" b="1"/>
-            </a:lvl3pPr>
-            <a:lvl4pPr marL="1028700" indent="0">
+              <a:defRPr sz="1600" b="1"/>
+            </a:lvl5pPr>
+            <a:lvl6pPr marL="2286000" indent="0">
               <a:buNone/>
-              <a:defRPr sz="1200" b="1"/>
-            </a:lvl4pPr>
-            <a:lvl5pPr marL="1371600" indent="0">
+              <a:defRPr sz="1600" b="1"/>
+            </a:lvl6pPr>
+            <a:lvl7pPr marL="2743200" indent="0">
               <a:buNone/>
-              <a:defRPr sz="1200" b="1"/>
-            </a:lvl5pPr>
-            <a:lvl6pPr marL="1714500" indent="0">
+              <a:defRPr sz="1600" b="1"/>
+            </a:lvl7pPr>
+            <a:lvl8pPr marL="3200400" indent="0">
               <a:buNone/>
-              <a:defRPr sz="1200" b="1"/>
-            </a:lvl6pPr>
-            <a:lvl7pPr marL="2057400" indent="0">
+              <a:defRPr sz="1600" b="1"/>
+            </a:lvl8pPr>
+            <a:lvl9pPr marL="3657600" indent="0">
               <a:buNone/>
-              <a:defRPr sz="1200" b="1"/>
-            </a:lvl7pPr>
-            <a:lvl8pPr marL="2400300" indent="0">
-              <a:buNone/>
-              <a:defRPr sz="1200" b="1"/>
-            </a:lvl8pPr>
-            <a:lvl9pPr marL="2743200" indent="0">
-              <a:buNone/>
-              <a:defRPr sz="1200" b="1"/>
+              <a:defRPr sz="1600" b="1"/>
             </a:lvl9pPr>
           </a:lstStyle>
           <a:p>
@@ -2109,8 +2109,8 @@
         </p:nvSpPr>
         <p:spPr>
           <a:xfrm>
-            <a:off x="3471863" y="3777187"/>
-            <a:ext cx="2915543" cy="5161272"/>
+            <a:off x="5013698" y="2615646"/>
+            <a:ext cx="4210320" cy="3574105"/>
           </a:xfrm>
         </p:spPr>
         <p:txBody>
@@ -2258,8 +2258,8 @@
         </p:nvSpPr>
         <p:spPr>
           <a:xfrm>
-            <a:off x="471488" y="3994682"/>
-            <a:ext cx="5915025" cy="1914238"/>
+            <a:off x="680873" y="2766258"/>
+            <a:ext cx="8541855" cy="1325582"/>
           </a:xfrm>
         </p:spPr>
         <p:txBody>
@@ -2268,7 +2268,7 @@
           </a:bodyPr>
           <a:lstStyle>
             <a:lvl1pPr algn="ctr">
-              <a:defRPr sz="3600" b="0">
+              <a:defRPr sz="4800" b="0">
                 <a:effectLst>
                   <a:outerShdw blurRad="38100" dist="38100" dir="2700000" algn="tl">
                     <a:srgbClr val="000000">
@@ -2476,8 +2476,8 @@
         </p:nvSpPr>
         <p:spPr>
           <a:xfrm>
-            <a:off x="363795" y="183400"/>
-            <a:ext cx="2342925" cy="2310840"/>
+            <a:off x="525354" y="127002"/>
+            <a:ext cx="3383405" cy="1600223"/>
           </a:xfrm>
         </p:spPr>
         <p:txBody>
@@ -2486,7 +2486,7 @@
           </a:bodyPr>
           <a:lstStyle>
             <a:lvl1pPr>
-              <a:defRPr sz="1800" b="1">
+              <a:defRPr sz="2400" b="1">
                 <a:effectLst>
                   <a:outerShdw blurRad="38100" dist="38100" dir="2700000" algn="tl">
                     <a:srgbClr val="000000">
@@ -2518,8 +2518,8 @@
         </p:nvSpPr>
         <p:spPr>
           <a:xfrm>
-            <a:off x="2916000" y="1106688"/>
-            <a:ext cx="3272273" cy="7356861"/>
+            <a:off x="4210980" y="766365"/>
+            <a:ext cx="4725471" cy="5094518"/>
           </a:xfrm>
         </p:spPr>
         <p:txBody>
@@ -2527,39 +2527,39 @@
           <a:lstStyle>
             <a:lvl1pPr marL="0" indent="0">
               <a:buNone/>
+              <a:defRPr sz="3200"/>
+            </a:lvl1pPr>
+            <a:lvl2pPr marL="457200" indent="0">
+              <a:buNone/>
+              <a:defRPr sz="2800"/>
+            </a:lvl2pPr>
+            <a:lvl3pPr marL="914400" indent="0">
+              <a:buNone/>
               <a:defRPr sz="2400"/>
-            </a:lvl1pPr>
-            <a:lvl2pPr marL="342900" indent="0">
+            </a:lvl3pPr>
+            <a:lvl4pPr marL="1371600" indent="0">
               <a:buNone/>
-              <a:defRPr sz="2100"/>
-            </a:lvl2pPr>
-            <a:lvl3pPr marL="685800" indent="0">
+              <a:defRPr sz="2000"/>
+            </a:lvl4pPr>
+            <a:lvl5pPr marL="1828800" indent="0">
               <a:buNone/>
-              <a:defRPr sz="1800"/>
-            </a:lvl3pPr>
-            <a:lvl4pPr marL="1028700" indent="0">
+              <a:defRPr sz="2000"/>
+            </a:lvl5pPr>
+            <a:lvl6pPr marL="2286000" indent="0">
               <a:buNone/>
-              <a:defRPr sz="1500"/>
-            </a:lvl4pPr>
-            <a:lvl5pPr marL="1371600" indent="0">
+              <a:defRPr sz="2000"/>
+            </a:lvl6pPr>
+            <a:lvl7pPr marL="2743200" indent="0">
               <a:buNone/>
-              <a:defRPr sz="1500"/>
-            </a:lvl5pPr>
-            <a:lvl6pPr marL="1714500" indent="0">
+              <a:defRPr sz="2000"/>
+            </a:lvl7pPr>
+            <a:lvl8pPr marL="3200400" indent="0">
               <a:buNone/>
-              <a:defRPr sz="1500"/>
-            </a:lvl6pPr>
-            <a:lvl7pPr marL="2057400" indent="0">
+              <a:defRPr sz="2000"/>
+            </a:lvl8pPr>
+            <a:lvl9pPr marL="3657600" indent="0">
               <a:buNone/>
-              <a:defRPr sz="1500"/>
-            </a:lvl7pPr>
-            <a:lvl8pPr marL="2400300" indent="0">
-              <a:buNone/>
-              <a:defRPr sz="1500"/>
-            </a:lvl8pPr>
-            <a:lvl9pPr marL="2743200" indent="0">
-              <a:buNone/>
-              <a:defRPr sz="1500"/>
+              <a:defRPr sz="2000"/>
             </a:lvl9pPr>
           </a:lstStyle>
           <a:p>
@@ -2579,8 +2579,8 @@
         </p:nvSpPr>
         <p:spPr>
           <a:xfrm>
-            <a:off x="366653" y="2971080"/>
-            <a:ext cx="2342925" cy="5504293"/>
+            <a:off x="529482" y="2057429"/>
+            <a:ext cx="3383405" cy="3811642"/>
           </a:xfrm>
         </p:spPr>
         <p:txBody>
@@ -2593,39 +2593,39 @@
                 <a:spcPct val="150000"/>
               </a:lnSpc>
               <a:buNone/>
+              <a:defRPr sz="1600"/>
+            </a:lvl1pPr>
+            <a:lvl2pPr marL="457200" indent="0">
+              <a:buNone/>
+              <a:defRPr sz="1400"/>
+            </a:lvl2pPr>
+            <a:lvl3pPr marL="914400" indent="0">
+              <a:buNone/>
               <a:defRPr sz="1200"/>
-            </a:lvl1pPr>
-            <a:lvl2pPr marL="342900" indent="0">
+            </a:lvl3pPr>
+            <a:lvl4pPr marL="1371600" indent="0">
               <a:buNone/>
-              <a:defRPr sz="1050"/>
-            </a:lvl2pPr>
-            <a:lvl3pPr marL="685800" indent="0">
+              <a:defRPr sz="1000"/>
+            </a:lvl4pPr>
+            <a:lvl5pPr marL="1828800" indent="0">
               <a:buNone/>
-              <a:defRPr sz="900"/>
-            </a:lvl3pPr>
-            <a:lvl4pPr marL="1028700" indent="0">
+              <a:defRPr sz="1000"/>
+            </a:lvl5pPr>
+            <a:lvl6pPr marL="2286000" indent="0">
               <a:buNone/>
-              <a:defRPr sz="750"/>
-            </a:lvl4pPr>
-            <a:lvl5pPr marL="1371600" indent="0">
+              <a:defRPr sz="1000"/>
+            </a:lvl6pPr>
+            <a:lvl7pPr marL="2743200" indent="0">
               <a:buNone/>
-              <a:defRPr sz="750"/>
-            </a:lvl5pPr>
-            <a:lvl6pPr marL="1714500" indent="0">
+              <a:defRPr sz="1000"/>
+            </a:lvl7pPr>
+            <a:lvl8pPr marL="3200400" indent="0">
               <a:buNone/>
-              <a:defRPr sz="750"/>
-            </a:lvl6pPr>
-            <a:lvl7pPr marL="2057400" indent="0">
+              <a:defRPr sz="1000"/>
+            </a:lvl8pPr>
+            <a:lvl9pPr marL="3657600" indent="0">
               <a:buNone/>
-              <a:defRPr sz="750"/>
-            </a:lvl7pPr>
-            <a:lvl8pPr marL="2400300" indent="0">
-              <a:buNone/>
-              <a:defRPr sz="750"/>
-            </a:lvl8pPr>
-            <a:lvl9pPr marL="2743200" indent="0">
-              <a:buNone/>
-              <a:defRPr sz="750"/>
+              <a:defRPr sz="1000"/>
             </a:lvl9pPr>
           </a:lstStyle>
           <a:p>
@@ -2738,8 +2738,8 @@
         </p:nvSpPr>
         <p:spPr>
           <a:xfrm>
-            <a:off x="5526272" y="527275"/>
-            <a:ext cx="860240" cy="8392843"/>
+            <a:off x="7980459" y="365130"/>
+            <a:ext cx="1242268" cy="5811920"/>
           </a:xfrm>
         </p:spPr>
         <p:txBody>
@@ -2748,7 +2748,7 @@
           </a:bodyPr>
           <a:lstStyle>
             <a:lvl1pPr>
-              <a:defRPr sz="2700"/>
+              <a:defRPr sz="3600"/>
             </a:lvl1pPr>
           </a:lstStyle>
           <a:p>
@@ -2772,8 +2772,8 @@
         </p:nvSpPr>
         <p:spPr>
           <a:xfrm>
-            <a:off x="471488" y="527275"/>
-            <a:ext cx="4994976" cy="8392843"/>
+            <a:off x="680873" y="365130"/>
+            <a:ext cx="7213217" cy="5811920"/>
           </a:xfrm>
         </p:spPr>
         <p:txBody>
@@ -2929,8 +2929,8 @@
         </p:nvSpPr>
         <p:spPr>
           <a:xfrm>
-            <a:off x="471488" y="527275"/>
-            <a:ext cx="5915025" cy="1914238"/>
+            <a:off x="680873" y="365130"/>
+            <a:ext cx="8541855" cy="1325582"/>
           </a:xfrm>
           <a:prstGeom prst="rect">
             <a:avLst/>
@@ -2962,8 +2962,8 @@
         </p:nvSpPr>
         <p:spPr>
           <a:xfrm>
-            <a:off x="471488" y="2636375"/>
-            <a:ext cx="5915025" cy="6283743"/>
+            <a:off x="680873" y="1825651"/>
+            <a:ext cx="8541855" cy="4351399"/>
           </a:xfrm>
           <a:prstGeom prst="rect">
             <a:avLst/>
@@ -3028,8 +3028,8 @@
         </p:nvSpPr>
         <p:spPr>
           <a:xfrm>
-            <a:off x="471488" y="9179170"/>
-            <a:ext cx="1543050" cy="527275"/>
+            <a:off x="680873" y="6356440"/>
+            <a:ext cx="2228310" cy="365130"/>
           </a:xfrm>
           <a:prstGeom prst="rect">
             <a:avLst/>
@@ -3041,7 +3041,7 @@
           </a:bodyPr>
           <a:lstStyle>
             <a:lvl1pPr algn="l">
-              <a:defRPr sz="900">
+              <a:defRPr sz="1200">
                 <a:solidFill>
                   <a:schemeClr val="tx1">
                     <a:tint val="75000"/>
@@ -3070,8 +3070,8 @@
         </p:nvSpPr>
         <p:spPr>
           <a:xfrm>
-            <a:off x="2271713" y="9179170"/>
-            <a:ext cx="2314575" cy="527275"/>
+            <a:off x="3280568" y="6356440"/>
+            <a:ext cx="3342465" cy="365130"/>
           </a:xfrm>
           <a:prstGeom prst="rect">
             <a:avLst/>
@@ -3083,7 +3083,7 @@
           </a:bodyPr>
           <a:lstStyle>
             <a:lvl1pPr algn="ctr">
-              <a:defRPr sz="900">
+              <a:defRPr sz="1200">
                 <a:solidFill>
                   <a:schemeClr val="tx1">
                     <a:tint val="75000"/>
@@ -3109,8 +3109,8 @@
         </p:nvSpPr>
         <p:spPr>
           <a:xfrm>
-            <a:off x="4843463" y="9179170"/>
-            <a:ext cx="1543050" cy="527275"/>
+            <a:off x="6994418" y="6356440"/>
+            <a:ext cx="2228310" cy="365130"/>
           </a:xfrm>
           <a:prstGeom prst="rect">
             <a:avLst/>
@@ -3122,7 +3122,7 @@
           </a:bodyPr>
           <a:lstStyle>
             <a:lvl1pPr algn="r">
-              <a:defRPr sz="900">
+              <a:defRPr sz="1200">
                 <a:solidFill>
                   <a:schemeClr val="tx1">
                     <a:tint val="75000"/>
@@ -3156,7 +3156,7 @@
   </p:sldLayoutIdLst>
   <p:txStyles>
     <p:titleStyle>
-      <a:lvl1pPr algn="l" defTabSz="685800" rtl="0" eaLnBrk="1" latinLnBrk="0" hangingPunct="1">
+      <a:lvl1pPr algn="l" defTabSz="914400" rtl="0" eaLnBrk="1" latinLnBrk="0" hangingPunct="1">
         <a:lnSpc>
           <a:spcPct val="90000"/>
         </a:lnSpc>
@@ -3164,7 +3164,7 @@
           <a:spcPct val="0"/>
         </a:spcBef>
         <a:buNone/>
-        <a:defRPr sz="3000" kern="1200">
+        <a:defRPr sz="4000" kern="1200">
           <a:solidFill>
             <a:schemeClr val="tx1"/>
           </a:solidFill>
@@ -3175,12 +3175,48 @@
       </a:lvl1pPr>
     </p:titleStyle>
     <p:bodyStyle>
-      <a:lvl1pPr marL="171450" indent="-171450" algn="l" defTabSz="685800" rtl="0" eaLnBrk="1" latinLnBrk="0" hangingPunct="1">
+      <a:lvl1pPr marL="228600" indent="-228600" algn="l" defTabSz="914400" rtl="0" eaLnBrk="1" latinLnBrk="0" hangingPunct="1">
         <a:lnSpc>
           <a:spcPct val="90000"/>
         </a:lnSpc>
         <a:spcBef>
-          <a:spcPts val="750"/>
+          <a:spcPts val="1000"/>
+        </a:spcBef>
+        <a:buFont typeface="Arial" panose="020B0604020202020204" pitchFamily="34" charset="0"/>
+        <a:buChar char="•"/>
+        <a:defRPr sz="2400" kern="1200">
+          <a:solidFill>
+            <a:schemeClr val="tx1"/>
+          </a:solidFill>
+          <a:latin typeface="+mn-lt"/>
+          <a:ea typeface="+mn-ea"/>
+          <a:cs typeface="+mn-cs"/>
+        </a:defRPr>
+      </a:lvl1pPr>
+      <a:lvl2pPr marL="685800" indent="-228600" algn="l" defTabSz="914400" rtl="0" eaLnBrk="1" latinLnBrk="0" hangingPunct="1">
+        <a:lnSpc>
+          <a:spcPct val="90000"/>
+        </a:lnSpc>
+        <a:spcBef>
+          <a:spcPts val="500"/>
+        </a:spcBef>
+        <a:buFont typeface="Arial" panose="020B0604020202020204" pitchFamily="34" charset="0"/>
+        <a:buChar char="•"/>
+        <a:defRPr sz="2000" kern="1200">
+          <a:solidFill>
+            <a:schemeClr val="tx1"/>
+          </a:solidFill>
+          <a:latin typeface="+mn-lt"/>
+          <a:ea typeface="+mn-ea"/>
+          <a:cs typeface="+mn-cs"/>
+        </a:defRPr>
+      </a:lvl2pPr>
+      <a:lvl3pPr marL="1143000" indent="-228600" algn="l" defTabSz="914400" rtl="0" eaLnBrk="1" latinLnBrk="0" hangingPunct="1">
+        <a:lnSpc>
+          <a:spcPct val="90000"/>
+        </a:lnSpc>
+        <a:spcBef>
+          <a:spcPts val="500"/>
         </a:spcBef>
         <a:buFont typeface="Arial" panose="020B0604020202020204" pitchFamily="34" charset="0"/>
         <a:buChar char="•"/>
@@ -3192,53 +3228,17 @@
           <a:ea typeface="+mn-ea"/>
           <a:cs typeface="+mn-cs"/>
         </a:defRPr>
-      </a:lvl1pPr>
-      <a:lvl2pPr marL="514350" indent="-171450" algn="l" defTabSz="685800" rtl="0" eaLnBrk="1" latinLnBrk="0" hangingPunct="1">
+      </a:lvl3pPr>
+      <a:lvl4pPr marL="1600200" indent="-228600" algn="l" defTabSz="914400" rtl="0" eaLnBrk="1" latinLnBrk="0" hangingPunct="1">
         <a:lnSpc>
           <a:spcPct val="90000"/>
         </a:lnSpc>
         <a:spcBef>
-          <a:spcPts val="375"/>
+          <a:spcPts val="500"/>
         </a:spcBef>
         <a:buFont typeface="Arial" panose="020B0604020202020204" pitchFamily="34" charset="0"/>
         <a:buChar char="•"/>
-        <a:defRPr sz="1500" kern="1200">
-          <a:solidFill>
-            <a:schemeClr val="tx1"/>
-          </a:solidFill>
-          <a:latin typeface="+mn-lt"/>
-          <a:ea typeface="+mn-ea"/>
-          <a:cs typeface="+mn-cs"/>
-        </a:defRPr>
-      </a:lvl2pPr>
-      <a:lvl3pPr marL="857250" indent="-171450" algn="l" defTabSz="685800" rtl="0" eaLnBrk="1" latinLnBrk="0" hangingPunct="1">
-        <a:lnSpc>
-          <a:spcPct val="90000"/>
-        </a:lnSpc>
-        <a:spcBef>
-          <a:spcPts val="375"/>
-        </a:spcBef>
-        <a:buFont typeface="Arial" panose="020B0604020202020204" pitchFamily="34" charset="0"/>
-        <a:buChar char="•"/>
-        <a:defRPr sz="1350" kern="1200">
-          <a:solidFill>
-            <a:schemeClr val="tx1"/>
-          </a:solidFill>
-          <a:latin typeface="+mn-lt"/>
-          <a:ea typeface="+mn-ea"/>
-          <a:cs typeface="+mn-cs"/>
-        </a:defRPr>
-      </a:lvl3pPr>
-      <a:lvl4pPr marL="1200150" indent="-171450" algn="l" defTabSz="685800" rtl="0" eaLnBrk="1" latinLnBrk="0" hangingPunct="1">
-        <a:lnSpc>
-          <a:spcPct val="90000"/>
-        </a:lnSpc>
-        <a:spcBef>
-          <a:spcPts val="375"/>
-        </a:spcBef>
-        <a:buFont typeface="Arial" panose="020B0604020202020204" pitchFamily="34" charset="0"/>
-        <a:buChar char="•"/>
-        <a:defRPr sz="1350" kern="1200">
+        <a:defRPr sz="1800" kern="1200">
           <a:solidFill>
             <a:schemeClr val="tx1"/>
           </a:solidFill>
@@ -3247,16 +3247,16 @@
           <a:cs typeface="+mn-cs"/>
         </a:defRPr>
       </a:lvl4pPr>
-      <a:lvl5pPr marL="1543050" indent="-171450" algn="l" defTabSz="685800" rtl="0" eaLnBrk="1" latinLnBrk="0" hangingPunct="1">
+      <a:lvl5pPr marL="2057400" indent="-228600" algn="l" defTabSz="914400" rtl="0" eaLnBrk="1" latinLnBrk="0" hangingPunct="1">
         <a:lnSpc>
           <a:spcPct val="90000"/>
         </a:lnSpc>
         <a:spcBef>
-          <a:spcPts val="375"/>
+          <a:spcPts val="500"/>
         </a:spcBef>
         <a:buFont typeface="Arial" panose="020B0604020202020204" pitchFamily="34" charset="0"/>
         <a:buChar char="•"/>
-        <a:defRPr sz="1350" kern="1200">
+        <a:defRPr sz="1800" kern="1200">
           <a:solidFill>
             <a:schemeClr val="tx1"/>
           </a:solidFill>
@@ -3265,16 +3265,16 @@
           <a:cs typeface="+mn-cs"/>
         </a:defRPr>
       </a:lvl5pPr>
-      <a:lvl6pPr marL="1885950" indent="-171450" algn="l" defTabSz="685800" rtl="0" eaLnBrk="1" latinLnBrk="0" hangingPunct="1">
+      <a:lvl6pPr marL="2514600" indent="-228600" algn="l" defTabSz="914400" rtl="0" eaLnBrk="1" latinLnBrk="0" hangingPunct="1">
         <a:lnSpc>
           <a:spcPct val="90000"/>
         </a:lnSpc>
         <a:spcBef>
-          <a:spcPts val="375"/>
+          <a:spcPts val="500"/>
         </a:spcBef>
         <a:buFont typeface="Arial" panose="020B0604020202020204" pitchFamily="34" charset="0"/>
         <a:buChar char="•"/>
-        <a:defRPr sz="1350" kern="1200">
+        <a:defRPr sz="1800" kern="1200">
           <a:solidFill>
             <a:schemeClr val="tx1"/>
           </a:solidFill>
@@ -3283,16 +3283,16 @@
           <a:cs typeface="+mn-cs"/>
         </a:defRPr>
       </a:lvl6pPr>
-      <a:lvl7pPr marL="2228850" indent="-171450" algn="l" defTabSz="685800" rtl="0" eaLnBrk="1" latinLnBrk="0" hangingPunct="1">
+      <a:lvl7pPr marL="2971800" indent="-228600" algn="l" defTabSz="914400" rtl="0" eaLnBrk="1" latinLnBrk="0" hangingPunct="1">
         <a:lnSpc>
           <a:spcPct val="90000"/>
         </a:lnSpc>
         <a:spcBef>
-          <a:spcPts val="375"/>
+          <a:spcPts val="500"/>
         </a:spcBef>
         <a:buFont typeface="Arial" panose="020B0604020202020204" pitchFamily="34" charset="0"/>
         <a:buChar char="•"/>
-        <a:defRPr sz="1350" kern="1200">
+        <a:defRPr sz="1800" kern="1200">
           <a:solidFill>
             <a:schemeClr val="tx1"/>
           </a:solidFill>
@@ -3301,16 +3301,16 @@
           <a:cs typeface="+mn-cs"/>
         </a:defRPr>
       </a:lvl7pPr>
-      <a:lvl8pPr marL="2571750" indent="-171450" algn="l" defTabSz="685800" rtl="0" eaLnBrk="1" latinLnBrk="0" hangingPunct="1">
+      <a:lvl8pPr marL="3429000" indent="-228600" algn="l" defTabSz="914400" rtl="0" eaLnBrk="1" latinLnBrk="0" hangingPunct="1">
         <a:lnSpc>
           <a:spcPct val="90000"/>
         </a:lnSpc>
         <a:spcBef>
-          <a:spcPts val="375"/>
+          <a:spcPts val="500"/>
         </a:spcBef>
         <a:buFont typeface="Arial" panose="020B0604020202020204" pitchFamily="34" charset="0"/>
         <a:buChar char="•"/>
-        <a:defRPr sz="1350" kern="1200">
+        <a:defRPr sz="1800" kern="1200">
           <a:solidFill>
             <a:schemeClr val="tx1"/>
           </a:solidFill>
@@ -3319,16 +3319,16 @@
           <a:cs typeface="+mn-cs"/>
         </a:defRPr>
       </a:lvl8pPr>
-      <a:lvl9pPr marL="2914650" indent="-171450" algn="l" defTabSz="685800" rtl="0" eaLnBrk="1" latinLnBrk="0" hangingPunct="1">
+      <a:lvl9pPr marL="3886200" indent="-228600" algn="l" defTabSz="914400" rtl="0" eaLnBrk="1" latinLnBrk="0" hangingPunct="1">
         <a:lnSpc>
           <a:spcPct val="90000"/>
         </a:lnSpc>
         <a:spcBef>
-          <a:spcPts val="375"/>
+          <a:spcPts val="500"/>
         </a:spcBef>
         <a:buFont typeface="Arial" panose="020B0604020202020204" pitchFamily="34" charset="0"/>
         <a:buChar char="•"/>
-        <a:defRPr sz="1350" kern="1200">
+        <a:defRPr sz="1800" kern="1200">
           <a:solidFill>
             <a:schemeClr val="tx1"/>
           </a:solidFill>
@@ -3342,8 +3342,8 @@
       <a:defPPr>
         <a:defRPr lang="zh-CN"/>
       </a:defPPr>
-      <a:lvl1pPr marL="0" algn="l" defTabSz="685800" rtl="0" eaLnBrk="1" latinLnBrk="0" hangingPunct="1">
-        <a:defRPr sz="1350" kern="1200">
+      <a:lvl1pPr marL="0" algn="l" defTabSz="914400" rtl="0" eaLnBrk="1" latinLnBrk="0" hangingPunct="1">
+        <a:defRPr sz="1800" kern="1200">
           <a:solidFill>
             <a:schemeClr val="tx1"/>
           </a:solidFill>
@@ -3352,8 +3352,8 @@
           <a:cs typeface="+mn-cs"/>
         </a:defRPr>
       </a:lvl1pPr>
-      <a:lvl2pPr marL="342900" algn="l" defTabSz="685800" rtl="0" eaLnBrk="1" latinLnBrk="0" hangingPunct="1">
-        <a:defRPr sz="1350" kern="1200">
+      <a:lvl2pPr marL="457200" algn="l" defTabSz="914400" rtl="0" eaLnBrk="1" latinLnBrk="0" hangingPunct="1">
+        <a:defRPr sz="1800" kern="1200">
           <a:solidFill>
             <a:schemeClr val="tx1"/>
           </a:solidFill>
@@ -3362,8 +3362,8 @@
           <a:cs typeface="+mn-cs"/>
         </a:defRPr>
       </a:lvl2pPr>
-      <a:lvl3pPr marL="685800" algn="l" defTabSz="685800" rtl="0" eaLnBrk="1" latinLnBrk="0" hangingPunct="1">
-        <a:defRPr sz="1350" kern="1200">
+      <a:lvl3pPr marL="914400" algn="l" defTabSz="914400" rtl="0" eaLnBrk="1" latinLnBrk="0" hangingPunct="1">
+        <a:defRPr sz="1800" kern="1200">
           <a:solidFill>
             <a:schemeClr val="tx1"/>
           </a:solidFill>
@@ -3372,8 +3372,8 @@
           <a:cs typeface="+mn-cs"/>
         </a:defRPr>
       </a:lvl3pPr>
-      <a:lvl4pPr marL="1028700" algn="l" defTabSz="685800" rtl="0" eaLnBrk="1" latinLnBrk="0" hangingPunct="1">
-        <a:defRPr sz="1350" kern="1200">
+      <a:lvl4pPr marL="1371600" algn="l" defTabSz="914400" rtl="0" eaLnBrk="1" latinLnBrk="0" hangingPunct="1">
+        <a:defRPr sz="1800" kern="1200">
           <a:solidFill>
             <a:schemeClr val="tx1"/>
           </a:solidFill>
@@ -3382,8 +3382,8 @@
           <a:cs typeface="+mn-cs"/>
         </a:defRPr>
       </a:lvl4pPr>
-      <a:lvl5pPr marL="1371600" algn="l" defTabSz="685800" rtl="0" eaLnBrk="1" latinLnBrk="0" hangingPunct="1">
-        <a:defRPr sz="1350" kern="1200">
+      <a:lvl5pPr marL="1828800" algn="l" defTabSz="914400" rtl="0" eaLnBrk="1" latinLnBrk="0" hangingPunct="1">
+        <a:defRPr sz="1800" kern="1200">
           <a:solidFill>
             <a:schemeClr val="tx1"/>
           </a:solidFill>
@@ -3392,8 +3392,8 @@
           <a:cs typeface="+mn-cs"/>
         </a:defRPr>
       </a:lvl5pPr>
-      <a:lvl6pPr marL="1714500" algn="l" defTabSz="685800" rtl="0" eaLnBrk="1" latinLnBrk="0" hangingPunct="1">
-        <a:defRPr sz="1350" kern="1200">
+      <a:lvl6pPr marL="2286000" algn="l" defTabSz="914400" rtl="0" eaLnBrk="1" latinLnBrk="0" hangingPunct="1">
+        <a:defRPr sz="1800" kern="1200">
           <a:solidFill>
             <a:schemeClr val="tx1"/>
           </a:solidFill>
@@ -3402,8 +3402,8 @@
           <a:cs typeface="+mn-cs"/>
         </a:defRPr>
       </a:lvl6pPr>
-      <a:lvl7pPr marL="2057400" algn="l" defTabSz="685800" rtl="0" eaLnBrk="1" latinLnBrk="0" hangingPunct="1">
-        <a:defRPr sz="1350" kern="1200">
+      <a:lvl7pPr marL="2743200" algn="l" defTabSz="914400" rtl="0" eaLnBrk="1" latinLnBrk="0" hangingPunct="1">
+        <a:defRPr sz="1800" kern="1200">
           <a:solidFill>
             <a:schemeClr val="tx1"/>
           </a:solidFill>
@@ -3412,8 +3412,8 @@
           <a:cs typeface="+mn-cs"/>
         </a:defRPr>
       </a:lvl7pPr>
-      <a:lvl8pPr marL="2400300" algn="l" defTabSz="685800" rtl="0" eaLnBrk="1" latinLnBrk="0" hangingPunct="1">
-        <a:defRPr sz="1350" kern="1200">
+      <a:lvl8pPr marL="3200400" algn="l" defTabSz="914400" rtl="0" eaLnBrk="1" latinLnBrk="0" hangingPunct="1">
+        <a:defRPr sz="1800" kern="1200">
           <a:solidFill>
             <a:schemeClr val="tx1"/>
           </a:solidFill>
@@ -3422,8 +3422,8 @@
           <a:cs typeface="+mn-cs"/>
         </a:defRPr>
       </a:lvl8pPr>
-      <a:lvl9pPr marL="2743200" algn="l" defTabSz="685800" rtl="0" eaLnBrk="1" latinLnBrk="0" hangingPunct="1">
-        <a:defRPr sz="1350" kern="1200">
+      <a:lvl9pPr marL="3657600" algn="l" defTabSz="914400" rtl="0" eaLnBrk="1" latinLnBrk="0" hangingPunct="1">
+        <a:defRPr sz="1800" kern="1200">
           <a:solidFill>
             <a:schemeClr val="tx1"/>
           </a:solidFill>
@@ -3455,8 +3455,8 @@
         </p:nvSpPr>
         <p:spPr>
           <a:xfrm>
-            <a:off x="1227455" y="1962785"/>
-            <a:ext cx="1532255" cy="508000"/>
+            <a:off x="1727200" y="1134110"/>
+            <a:ext cx="1132205" cy="315595"/>
           </a:xfrm>
           <a:prstGeom prst="rect">
             <a:avLst/>
@@ -3498,14 +3498,14 @@
           <a:p>
             <a:pPr algn="ctr"/>
             <a:r>
-              <a:rPr lang="" altLang="zh-CN" b="1">
+              <a:rPr lang="en-US" altLang="zh-CN" sz="1245" b="1">
                 <a:solidFill>
                   <a:srgbClr val="2C3E50"/>
                 </a:solidFill>
               </a:rPr>
               <a:t>CPU0</a:t>
             </a:r>
-            <a:endParaRPr lang="" altLang="zh-CN" b="1">
+            <a:endParaRPr lang="en-US" altLang="zh-CN" sz="1245" b="1">
               <a:solidFill>
                 <a:srgbClr val="2C3E50"/>
               </a:solidFill>
@@ -3521,8 +3521,8 @@
         </p:nvSpPr>
         <p:spPr>
           <a:xfrm>
-            <a:off x="3488055" y="1962785"/>
-            <a:ext cx="1549400" cy="508000"/>
+            <a:off x="3525520" y="1149985"/>
+            <a:ext cx="1162050" cy="315595"/>
           </a:xfrm>
           <a:prstGeom prst="rect">
             <a:avLst/>
@@ -3564,7 +3564,7 @@
           <a:p>
             <a:pPr algn="ctr"/>
             <a:r>
-              <a:rPr lang="en-US" altLang="zh-CN" b="1">
+              <a:rPr lang="en-US" altLang="zh-CN" sz="1245" b="1">
                 <a:solidFill>
                   <a:srgbClr val="2C3E50"/>
                 </a:solidFill>
@@ -3572,14 +3572,14 @@
               <a:t>CPU</a:t>
             </a:r>
             <a:r>
-              <a:rPr lang="" altLang="en-US" b="1">
+              <a:rPr lang="en-US" altLang="en-US" sz="1245" b="1">
                 <a:solidFill>
                   <a:srgbClr val="2C3E50"/>
                 </a:solidFill>
               </a:rPr>
               <a:t>1</a:t>
             </a:r>
-            <a:endParaRPr lang="" altLang="en-US" b="1">
+            <a:endParaRPr lang="en-US" altLang="en-US" sz="1245" b="1">
               <a:solidFill>
                 <a:srgbClr val="2C3E50"/>
               </a:solidFill>
@@ -3595,8 +3595,8 @@
         </p:nvSpPr>
         <p:spPr>
           <a:xfrm>
-            <a:off x="1988820" y="2961005"/>
-            <a:ext cx="770890" cy="508000"/>
+            <a:off x="2390140" y="1754505"/>
+            <a:ext cx="469265" cy="315595"/>
           </a:xfrm>
           <a:prstGeom prst="rect">
             <a:avLst/>
@@ -3638,14 +3638,14 @@
           <a:p>
             <a:pPr algn="ctr"/>
             <a:r>
-              <a:rPr lang="" altLang="zh-CN" sz="1200" b="1">
+              <a:rPr lang="en-US" altLang="zh-CN" sz="800">
                 <a:solidFill>
                   <a:srgbClr val="2C3E50"/>
                 </a:solidFill>
               </a:rPr>
               <a:t>Store</a:t>
             </a:r>
-            <a:endParaRPr lang="" altLang="zh-CN" sz="1200" b="1">
+            <a:endParaRPr lang="en-US" altLang="zh-CN" sz="800">
               <a:solidFill>
                 <a:srgbClr val="2C3E50"/>
               </a:solidFill>
@@ -3654,14 +3654,14 @@
           <a:p>
             <a:pPr algn="ctr"/>
             <a:r>
-              <a:rPr lang="" altLang="zh-CN" sz="1200" b="1">
+              <a:rPr lang="en-US" altLang="zh-CN" sz="800">
                 <a:solidFill>
                   <a:srgbClr val="2C3E50"/>
                 </a:solidFill>
               </a:rPr>
               <a:t>buffer</a:t>
             </a:r>
-            <a:endParaRPr lang="" altLang="zh-CN" sz="1200" b="1">
+            <a:endParaRPr lang="en-US" altLang="zh-CN" sz="800">
               <a:solidFill>
                 <a:srgbClr val="2C3E50"/>
               </a:solidFill>
@@ -3677,8 +3677,8 @@
         </p:nvSpPr>
         <p:spPr>
           <a:xfrm>
-            <a:off x="1227455" y="3909060"/>
-            <a:ext cx="1531620" cy="508000"/>
+            <a:off x="1727200" y="2343785"/>
+            <a:ext cx="1132205" cy="315595"/>
           </a:xfrm>
           <a:prstGeom prst="rect">
             <a:avLst/>
@@ -3720,7 +3720,7 @@
           <a:p>
             <a:pPr algn="ctr"/>
             <a:r>
-              <a:rPr lang="" altLang="zh-CN" sz="1400" b="1">
+              <a:rPr lang="en-US" altLang="zh-CN" sz="970" b="1">
                 <a:ln>
                   <a:noFill/>
                 </a:ln>
@@ -3728,7 +3728,7 @@
               <a:t>r</a:t>
             </a:r>
             <a:r>
-              <a:rPr lang="" altLang="zh-CN" sz="1400" b="1">
+              <a:rPr lang="en-US" altLang="zh-CN" sz="970" b="1">
                 <a:ln>
                   <a:noFill/>
                 </a:ln>
@@ -3736,9 +3736,9 @@
                   <a:srgbClr val="2C3E50"/>
                 </a:solidFill>
               </a:rPr>
-              <a:t>L1 catch</a:t>
-            </a:r>
-            <a:endParaRPr lang="" altLang="zh-CN" sz="1400" b="1">
+              <a:t>catch</a:t>
+            </a:r>
+            <a:endParaRPr lang="en-US" altLang="zh-CN" sz="970" b="1">
               <a:ln>
                 <a:noFill/>
               </a:ln>
@@ -3757,8 +3757,8 @@
         </p:nvSpPr>
         <p:spPr>
           <a:xfrm>
-            <a:off x="4266565" y="2961005"/>
-            <a:ext cx="770890" cy="508000"/>
+            <a:off x="3999865" y="1770380"/>
+            <a:ext cx="469265" cy="315595"/>
           </a:xfrm>
           <a:prstGeom prst="rect">
             <a:avLst/>
@@ -3800,14 +3800,14 @@
           <a:p>
             <a:pPr algn="ctr"/>
             <a:r>
-              <a:rPr lang="en-US" altLang="zh-CN" sz="1200" b="1">
+              <a:rPr lang="en-US" altLang="zh-CN" sz="800">
                 <a:solidFill>
                   <a:srgbClr val="2C3E50"/>
                 </a:solidFill>
               </a:rPr>
               <a:t>Store</a:t>
             </a:r>
-            <a:endParaRPr lang="en-US" altLang="zh-CN" sz="1200" b="1">
+            <a:endParaRPr lang="en-US" altLang="zh-CN" sz="800">
               <a:solidFill>
                 <a:srgbClr val="2C3E50"/>
               </a:solidFill>
@@ -3816,14 +3816,14 @@
           <a:p>
             <a:pPr algn="ctr"/>
             <a:r>
-              <a:rPr lang="en-US" altLang="zh-CN" sz="1200" b="1">
+              <a:rPr lang="en-US" altLang="zh-CN" sz="800">
                 <a:solidFill>
                   <a:srgbClr val="2C3E50"/>
                 </a:solidFill>
               </a:rPr>
               <a:t>buffer</a:t>
             </a:r>
-            <a:endParaRPr lang="en-US" altLang="zh-CN" sz="1200" b="1">
+            <a:endParaRPr lang="en-US" altLang="zh-CN" sz="800">
               <a:solidFill>
                 <a:srgbClr val="2C3E50"/>
               </a:solidFill>
@@ -3839,8 +3839,8 @@
         </p:nvSpPr>
         <p:spPr>
           <a:xfrm>
-            <a:off x="3505835" y="3909060"/>
-            <a:ext cx="1531620" cy="508000"/>
+            <a:off x="3536315" y="2359660"/>
+            <a:ext cx="1150620" cy="315595"/>
           </a:xfrm>
           <a:prstGeom prst="rect">
             <a:avLst/>
@@ -3882,7 +3882,7 @@
           <a:p>
             <a:pPr algn="ctr"/>
             <a:r>
-              <a:rPr lang="en-US" altLang="zh-CN" sz="1400" b="1">
+              <a:rPr lang="en-US" altLang="zh-CN" sz="970" b="1">
                 <a:ln>
                   <a:noFill/>
                 </a:ln>
@@ -3890,7 +3890,7 @@
               <a:t>r</a:t>
             </a:r>
             <a:r>
-              <a:rPr lang="en-US" altLang="zh-CN" sz="1400" b="1">
+              <a:rPr lang="en-US" altLang="zh-CN" sz="970" b="1">
                 <a:ln>
                   <a:noFill/>
                 </a:ln>
@@ -3898,9 +3898,9 @@
                   <a:srgbClr val="2C3E50"/>
                 </a:solidFill>
               </a:rPr>
-              <a:t>L1 catch</a:t>
-            </a:r>
-            <a:endParaRPr lang="en-US" altLang="zh-CN" sz="1400" b="1">
+              <a:t>catch</a:t>
+            </a:r>
+            <a:endParaRPr lang="en-US" altLang="zh-CN" sz="970" b="1">
               <a:ln>
                 <a:noFill/>
               </a:ln>
@@ -3919,8 +3919,8 @@
         </p:nvSpPr>
         <p:spPr>
           <a:xfrm>
-            <a:off x="1227455" y="4882515"/>
-            <a:ext cx="3809365" cy="1008380"/>
+            <a:off x="1727200" y="3516630"/>
+            <a:ext cx="2960370" cy="217805"/>
           </a:xfrm>
           <a:prstGeom prst="rect">
             <a:avLst/>
@@ -3962,15 +3962,15 @@
           <a:p>
             <a:pPr algn="ctr"/>
             <a:r>
-              <a:rPr lang="en-US" altLang="zh-CN" sz="1400" b="1">
+              <a:rPr lang="" altLang="en-US" sz="970" b="1">
                 <a:ln>
                   <a:noFill/>
                 </a:ln>
               </a:rPr>
-              <a:t>r</a:t>
-            </a:r>
-            <a:r>
-              <a:rPr lang="en-US" altLang="zh-CN" sz="1400" b="1">
+              <a:t>互</a:t>
+            </a:r>
+            <a:r>
+              <a:rPr lang="" altLang="en-US" sz="970" b="1">
                 <a:ln>
                   <a:noFill/>
                 </a:ln>
@@ -3978,31 +3978,9 @@
                   <a:srgbClr val="2C3E50"/>
                 </a:solidFill>
               </a:rPr>
-              <a:t>L</a:t>
-            </a:r>
-            <a:r>
-              <a:rPr lang="" altLang="en-US" sz="1400" b="1">
-                <a:ln>
-                  <a:noFill/>
-                </a:ln>
-                <a:solidFill>
-                  <a:srgbClr val="2C3E50"/>
-                </a:solidFill>
-              </a:rPr>
-              <a:t>2</a:t>
-            </a:r>
-            <a:r>
-              <a:rPr lang="en-US" altLang="zh-CN" sz="1400" b="1">
-                <a:ln>
-                  <a:noFill/>
-                </a:ln>
-                <a:solidFill>
-                  <a:srgbClr val="2C3E50"/>
-                </a:solidFill>
-              </a:rPr>
-              <a:t> catch</a:t>
-            </a:r>
-            <a:endParaRPr lang="en-US" altLang="zh-CN" sz="1400" b="1">
+              <a:t>Interconnect</a:t>
+            </a:r>
+            <a:endParaRPr lang="" altLang="en-US" sz="970" b="1">
               <a:ln>
                 <a:noFill/>
               </a:ln>
@@ -4021,8 +3999,8 @@
         </p:nvSpPr>
         <p:spPr>
           <a:xfrm>
-            <a:off x="1227455" y="7219315"/>
-            <a:ext cx="3809365" cy="829945"/>
+            <a:off x="1711960" y="4606290"/>
+            <a:ext cx="6353175" cy="515620"/>
           </a:xfrm>
           <a:prstGeom prst="rect">
             <a:avLst/>
@@ -4064,7 +4042,7 @@
           <a:p>
             <a:pPr algn="ctr"/>
             <a:r>
-              <a:rPr lang="en-US" altLang="zh-CN" sz="1400" b="1">
+              <a:rPr lang="en-US" altLang="zh-CN" sz="970" b="1">
                 <a:ln>
                   <a:noFill/>
                 </a:ln>
@@ -4072,7 +4050,7 @@
               <a:t>r</a:t>
             </a:r>
             <a:r>
-              <a:rPr lang="" altLang="en-US" sz="1400" b="1">
+              <a:rPr lang="en-US" altLang="en-US" sz="970" b="1">
                 <a:ln>
                   <a:noFill/>
                 </a:ln>
@@ -4082,7 +4060,7 @@
               </a:rPr>
               <a:t>Memory</a:t>
             </a:r>
-            <a:endParaRPr lang="" altLang="en-US" sz="1400" b="1">
+            <a:endParaRPr lang="en-US" altLang="en-US" sz="970" b="1">
               <a:ln>
                 <a:noFill/>
               </a:ln>
@@ -4093,16 +4071,453 @@
           </a:p>
         </p:txBody>
       </p:sp>
-      <p:sp>
-        <p:nvSpPr>
-          <p:cNvPr id="12" name="矩形 11"/>
+      <p:cxnSp>
+        <p:nvCxnSpPr>
+          <p:cNvPr id="19" name="直接箭头连接符 18"/>
+          <p:cNvCxnSpPr>
+            <a:stCxn id="59" idx="0"/>
+            <a:endCxn id="7" idx="2"/>
+          </p:cNvCxnSpPr>
+          <p:nvPr/>
+        </p:nvCxnSpPr>
+        <p:spPr>
+          <a:xfrm flipH="1" flipV="1">
+            <a:off x="2293620" y="2659380"/>
+            <a:ext cx="9525" cy="224155"/>
+          </a:xfrm>
+          <a:prstGeom prst="straightConnector1">
+            <a:avLst/>
+          </a:prstGeom>
+          <a:ln w="25400">
+            <a:solidFill>
+              <a:srgbClr val="3EAF7C"/>
+            </a:solidFill>
+            <a:tailEnd type="arrow" w="med" len="med"/>
+          </a:ln>
+        </p:spPr>
+        <p:style>
+          <a:lnRef idx="3">
+            <a:schemeClr val="dk1"/>
+          </a:lnRef>
+          <a:fillRef idx="0">
+            <a:schemeClr val="dk1"/>
+          </a:fillRef>
+          <a:effectRef idx="2">
+            <a:schemeClr val="dk1"/>
+          </a:effectRef>
+          <a:fontRef idx="minor">
+            <a:schemeClr val="tx1"/>
+          </a:fontRef>
+        </p:style>
+      </p:cxnSp>
+      <p:cxnSp>
+        <p:nvCxnSpPr>
+          <p:cNvPr id="20" name="直接箭头连接符 19"/>
+          <p:cNvCxnSpPr/>
+          <p:nvPr/>
+        </p:nvCxnSpPr>
+        <p:spPr>
+          <a:xfrm flipH="1" flipV="1">
+            <a:off x="4105910" y="2675255"/>
+            <a:ext cx="635" cy="273685"/>
+          </a:xfrm>
+          <a:prstGeom prst="straightConnector1">
+            <a:avLst/>
+          </a:prstGeom>
+          <a:ln w="25400">
+            <a:solidFill>
+              <a:srgbClr val="3EAF7C"/>
+            </a:solidFill>
+            <a:tailEnd type="arrow" w="med" len="med"/>
+          </a:ln>
+        </p:spPr>
+        <p:style>
+          <a:lnRef idx="3">
+            <a:schemeClr val="dk1"/>
+          </a:lnRef>
+          <a:fillRef idx="0">
+            <a:schemeClr val="dk1"/>
+          </a:fillRef>
+          <a:effectRef idx="2">
+            <a:schemeClr val="dk1"/>
+          </a:effectRef>
+          <a:fontRef idx="minor">
+            <a:schemeClr val="tx1"/>
+          </a:fontRef>
+        </p:style>
+      </p:cxnSp>
+      <p:cxnSp>
+        <p:nvCxnSpPr>
+          <p:cNvPr id="21" name="直接箭头连接符 20"/>
+          <p:cNvCxnSpPr/>
+          <p:nvPr/>
+        </p:nvCxnSpPr>
+        <p:spPr>
+          <a:xfrm flipV="1">
+            <a:off x="2189480" y="1465580"/>
+            <a:ext cx="0" cy="878205"/>
+          </a:xfrm>
+          <a:prstGeom prst="straightConnector1">
+            <a:avLst/>
+          </a:prstGeom>
+          <a:ln w="25400">
+            <a:solidFill>
+              <a:srgbClr val="3EAF7C"/>
+            </a:solidFill>
+            <a:tailEnd type="arrow" w="med" len="med"/>
+          </a:ln>
+        </p:spPr>
+        <p:style>
+          <a:lnRef idx="3">
+            <a:schemeClr val="dk1"/>
+          </a:lnRef>
+          <a:fillRef idx="0">
+            <a:schemeClr val="dk1"/>
+          </a:fillRef>
+          <a:effectRef idx="2">
+            <a:schemeClr val="dk1"/>
+          </a:effectRef>
+          <a:fontRef idx="minor">
+            <a:schemeClr val="tx1"/>
+          </a:fontRef>
+        </p:style>
+      </p:cxnSp>
+      <p:cxnSp>
+        <p:nvCxnSpPr>
+          <p:cNvPr id="22" name="直接箭头连接符 21"/>
+          <p:cNvCxnSpPr/>
+          <p:nvPr/>
+        </p:nvCxnSpPr>
+        <p:spPr>
+          <a:xfrm flipV="1">
+            <a:off x="3803650" y="1465580"/>
+            <a:ext cx="0" cy="878205"/>
+          </a:xfrm>
+          <a:prstGeom prst="straightConnector1">
+            <a:avLst/>
+          </a:prstGeom>
+          <a:ln w="25400">
+            <a:solidFill>
+              <a:srgbClr val="3EAF7C"/>
+            </a:solidFill>
+            <a:tailEnd type="arrow" w="med" len="med"/>
+          </a:ln>
+        </p:spPr>
+        <p:style>
+          <a:lnRef idx="3">
+            <a:schemeClr val="dk1"/>
+          </a:lnRef>
+          <a:fillRef idx="0">
+            <a:schemeClr val="dk1"/>
+          </a:fillRef>
+          <a:effectRef idx="2">
+            <a:schemeClr val="dk1"/>
+          </a:effectRef>
+          <a:fontRef idx="minor">
+            <a:schemeClr val="tx1"/>
+          </a:fontRef>
+        </p:style>
+      </p:cxnSp>
+      <p:cxnSp>
+        <p:nvCxnSpPr>
+          <p:cNvPr id="23" name="直接箭头连接符 22"/>
+          <p:cNvCxnSpPr>
+            <a:endCxn id="6" idx="0"/>
+          </p:cNvCxnSpPr>
+          <p:nvPr/>
+        </p:nvCxnSpPr>
+        <p:spPr>
+          <a:xfrm>
+            <a:off x="2622550" y="1465580"/>
+            <a:ext cx="2540" cy="288925"/>
+          </a:xfrm>
+          <a:prstGeom prst="straightConnector1">
+            <a:avLst/>
+          </a:prstGeom>
+          <a:ln w="25400">
+            <a:solidFill>
+              <a:srgbClr val="3EAF7C"/>
+            </a:solidFill>
+            <a:tailEnd type="arrow" w="med" len="med"/>
+          </a:ln>
+        </p:spPr>
+        <p:style>
+          <a:lnRef idx="3">
+            <a:schemeClr val="dk1"/>
+          </a:lnRef>
+          <a:fillRef idx="0">
+            <a:schemeClr val="dk1"/>
+          </a:fillRef>
+          <a:effectRef idx="2">
+            <a:schemeClr val="dk1"/>
+          </a:effectRef>
+          <a:fontRef idx="minor">
+            <a:schemeClr val="tx1"/>
+          </a:fontRef>
+        </p:style>
+      </p:cxnSp>
+      <p:cxnSp>
+        <p:nvCxnSpPr>
+          <p:cNvPr id="24" name="直接箭头连接符 23"/>
+          <p:cNvCxnSpPr/>
+          <p:nvPr/>
+        </p:nvCxnSpPr>
+        <p:spPr>
+          <a:xfrm>
+            <a:off x="4232910" y="1481455"/>
+            <a:ext cx="2540" cy="288925"/>
+          </a:xfrm>
+          <a:prstGeom prst="straightConnector1">
+            <a:avLst/>
+          </a:prstGeom>
+          <a:ln w="25400">
+            <a:solidFill>
+              <a:srgbClr val="3EAF7C"/>
+            </a:solidFill>
+            <a:tailEnd type="arrow" w="med" len="med"/>
+          </a:ln>
+        </p:spPr>
+        <p:style>
+          <a:lnRef idx="3">
+            <a:schemeClr val="dk1"/>
+          </a:lnRef>
+          <a:fillRef idx="0">
+            <a:schemeClr val="dk1"/>
+          </a:fillRef>
+          <a:effectRef idx="2">
+            <a:schemeClr val="dk1"/>
+          </a:effectRef>
+          <a:fontRef idx="minor">
+            <a:schemeClr val="tx1"/>
+          </a:fontRef>
+        </p:style>
+      </p:cxnSp>
+      <p:cxnSp>
+        <p:nvCxnSpPr>
+          <p:cNvPr id="25" name="直接箭头连接符 24"/>
+          <p:cNvCxnSpPr/>
+          <p:nvPr/>
+        </p:nvCxnSpPr>
+        <p:spPr>
+          <a:xfrm>
+            <a:off x="2625090" y="2054860"/>
+            <a:ext cx="2540" cy="288925"/>
+          </a:xfrm>
+          <a:prstGeom prst="straightConnector1">
+            <a:avLst/>
+          </a:prstGeom>
+          <a:ln w="25400">
+            <a:solidFill>
+              <a:srgbClr val="3EAF7C"/>
+            </a:solidFill>
+            <a:tailEnd type="arrow" w="med" len="med"/>
+          </a:ln>
+        </p:spPr>
+        <p:style>
+          <a:lnRef idx="3">
+            <a:schemeClr val="dk1"/>
+          </a:lnRef>
+          <a:fillRef idx="0">
+            <a:schemeClr val="dk1"/>
+          </a:fillRef>
+          <a:effectRef idx="2">
+            <a:schemeClr val="dk1"/>
+          </a:effectRef>
+          <a:fontRef idx="minor">
+            <a:schemeClr val="tx1"/>
+          </a:fontRef>
+        </p:style>
+      </p:cxnSp>
+      <p:cxnSp>
+        <p:nvCxnSpPr>
+          <p:cNvPr id="26" name="直接箭头连接符 25"/>
+          <p:cNvCxnSpPr/>
+          <p:nvPr/>
+        </p:nvCxnSpPr>
+        <p:spPr>
+          <a:xfrm>
+            <a:off x="4231005" y="2085975"/>
+            <a:ext cx="2540" cy="288925"/>
+          </a:xfrm>
+          <a:prstGeom prst="straightConnector1">
+            <a:avLst/>
+          </a:prstGeom>
+          <a:ln w="25400">
+            <a:solidFill>
+              <a:srgbClr val="3EAF7C"/>
+            </a:solidFill>
+            <a:tailEnd type="arrow" w="med" len="med"/>
+          </a:ln>
+        </p:spPr>
+        <p:style>
+          <a:lnRef idx="3">
+            <a:schemeClr val="dk1"/>
+          </a:lnRef>
+          <a:fillRef idx="0">
+            <a:schemeClr val="dk1"/>
+          </a:fillRef>
+          <a:effectRef idx="2">
+            <a:schemeClr val="dk1"/>
+          </a:effectRef>
+          <a:fontRef idx="minor">
+            <a:schemeClr val="tx1"/>
+          </a:fontRef>
+        </p:style>
+      </p:cxnSp>
+      <p:cxnSp>
+        <p:nvCxnSpPr>
+          <p:cNvPr id="27" name="直接箭头连接符 26"/>
+          <p:cNvCxnSpPr/>
+          <p:nvPr/>
+        </p:nvCxnSpPr>
+        <p:spPr>
+          <a:xfrm flipH="1" flipV="1">
+            <a:off x="2189480" y="1823085"/>
+            <a:ext cx="205740" cy="4445"/>
+          </a:xfrm>
+          <a:prstGeom prst="straightConnector1">
+            <a:avLst/>
+          </a:prstGeom>
+          <a:ln w="25400">
+            <a:solidFill>
+              <a:srgbClr val="3EAF7C"/>
+            </a:solidFill>
+            <a:tailEnd type="arrow" w="med" len="med"/>
+          </a:ln>
+        </p:spPr>
+        <p:style>
+          <a:lnRef idx="3">
+            <a:schemeClr val="dk1"/>
+          </a:lnRef>
+          <a:fillRef idx="0">
+            <a:schemeClr val="dk1"/>
+          </a:fillRef>
+          <a:effectRef idx="2">
+            <a:schemeClr val="dk1"/>
+          </a:effectRef>
+          <a:fontRef idx="minor">
+            <a:schemeClr val="tx1"/>
+          </a:fontRef>
+        </p:style>
+      </p:cxnSp>
+      <p:cxnSp>
+        <p:nvCxnSpPr>
+          <p:cNvPr id="28" name="直接箭头连接符 27"/>
+          <p:cNvCxnSpPr/>
+          <p:nvPr/>
+        </p:nvCxnSpPr>
+        <p:spPr>
+          <a:xfrm flipH="1" flipV="1">
+            <a:off x="3808730" y="1833880"/>
+            <a:ext cx="190500" cy="4445"/>
+          </a:xfrm>
+          <a:prstGeom prst="straightConnector1">
+            <a:avLst/>
+          </a:prstGeom>
+          <a:ln w="25400">
+            <a:solidFill>
+              <a:srgbClr val="3EAF7C"/>
+            </a:solidFill>
+            <a:tailEnd type="arrow" w="med" len="med"/>
+          </a:ln>
+        </p:spPr>
+        <p:style>
+          <a:lnRef idx="3">
+            <a:schemeClr val="dk1"/>
+          </a:lnRef>
+          <a:fillRef idx="0">
+            <a:schemeClr val="dk1"/>
+          </a:fillRef>
+          <a:effectRef idx="2">
+            <a:schemeClr val="dk1"/>
+          </a:effectRef>
+          <a:fontRef idx="minor">
+            <a:schemeClr val="tx1"/>
+          </a:fontRef>
+        </p:style>
+      </p:cxnSp>
+      <p:cxnSp>
+        <p:nvCxnSpPr>
+          <p:cNvPr id="29" name="直接箭头连接符 28"/>
+          <p:cNvCxnSpPr/>
+          <p:nvPr/>
+        </p:nvCxnSpPr>
+        <p:spPr>
+          <a:xfrm>
+            <a:off x="2189480" y="1986280"/>
+            <a:ext cx="201295" cy="0"/>
+          </a:xfrm>
+          <a:prstGeom prst="straightConnector1">
+            <a:avLst/>
+          </a:prstGeom>
+          <a:ln w="25400">
+            <a:solidFill>
+              <a:srgbClr val="3EAF7C"/>
+            </a:solidFill>
+            <a:tailEnd type="arrow" w="med" len="med"/>
+          </a:ln>
+        </p:spPr>
+        <p:style>
+          <a:lnRef idx="3">
+            <a:schemeClr val="dk1"/>
+          </a:lnRef>
+          <a:fillRef idx="0">
+            <a:schemeClr val="dk1"/>
+          </a:fillRef>
+          <a:effectRef idx="2">
+            <a:schemeClr val="dk1"/>
+          </a:effectRef>
+          <a:fontRef idx="minor">
+            <a:schemeClr val="tx1"/>
+          </a:fontRef>
+        </p:style>
+      </p:cxnSp>
+      <p:cxnSp>
+        <p:nvCxnSpPr>
+          <p:cNvPr id="30" name="直接箭头连接符 29"/>
+          <p:cNvCxnSpPr/>
+          <p:nvPr/>
+        </p:nvCxnSpPr>
+        <p:spPr>
+          <a:xfrm>
+            <a:off x="3798570" y="2002155"/>
+            <a:ext cx="201295" cy="0"/>
+          </a:xfrm>
+          <a:prstGeom prst="straightConnector1">
+            <a:avLst/>
+          </a:prstGeom>
+          <a:ln w="25400">
+            <a:solidFill>
+              <a:srgbClr val="3EAF7C"/>
+            </a:solidFill>
+            <a:tailEnd type="arrow" w="med" len="med"/>
+          </a:ln>
+        </p:spPr>
+        <p:style>
+          <a:lnRef idx="3">
+            <a:schemeClr val="dk1"/>
+          </a:lnRef>
+          <a:fillRef idx="0">
+            <a:schemeClr val="dk1"/>
+          </a:fillRef>
+          <a:effectRef idx="2">
+            <a:schemeClr val="dk1"/>
+          </a:effectRef>
+          <a:fontRef idx="minor">
+            <a:schemeClr val="tx1"/>
+          </a:fontRef>
+        </p:style>
+      </p:cxnSp>
+      <p:sp>
+        <p:nvSpPr>
+          <p:cNvPr id="54" name="矩形 53"/>
           <p:cNvSpPr/>
           <p:nvPr/>
         </p:nvSpPr>
         <p:spPr>
           <a:xfrm>
-            <a:off x="1227455" y="5679440"/>
-            <a:ext cx="3817620" cy="211455"/>
+            <a:off x="1727200" y="4087495"/>
+            <a:ext cx="6323330" cy="236220"/>
           </a:xfrm>
           <a:prstGeom prst="rect">
             <a:avLst/>
@@ -4144,33 +4559,124 @@
           <a:p>
             <a:pPr algn="ctr"/>
             <a:r>
-              <a:rPr lang="en-US" altLang="zh-CN" sz="1200">
+              <a:rPr lang="" altLang="en-US" sz="1000" b="1">
+                <a:ln>
+                  <a:noFill/>
+                </a:ln>
                 <a:solidFill>
                   <a:srgbClr val="2C3E50"/>
                 </a:solidFill>
                 <a:sym typeface="+mn-ea"/>
               </a:rPr>
-              <a:t>缓存行</a:t>
-            </a:r>
-            <a:endParaRPr lang="en-US" altLang="zh-CN" sz="1200">
+              <a:t>System </a:t>
+            </a:r>
+            <a:r>
+              <a:rPr lang="en-US" altLang="en-US" sz="1000" b="1">
+                <a:ln>
+                  <a:noFill/>
+                </a:ln>
+                <a:solidFill>
+                  <a:srgbClr val="2C3E50"/>
+                </a:solidFill>
+                <a:sym typeface="+mn-ea"/>
+              </a:rPr>
+              <a:t>Interconnect</a:t>
+            </a:r>
+            <a:endParaRPr lang="" altLang="zh-CN" sz="1000">
               <a:solidFill>
                 <a:srgbClr val="2C3E50"/>
               </a:solidFill>
-              <a:sym typeface="+mn-ea"/>
             </a:endParaRPr>
           </a:p>
         </p:txBody>
       </p:sp>
-      <p:sp>
-        <p:nvSpPr>
-          <p:cNvPr id="13" name="矩形 12"/>
+      <p:cxnSp>
+        <p:nvCxnSpPr>
+          <p:cNvPr id="55" name="直接箭头连接符 54"/>
+          <p:cNvCxnSpPr>
+            <a:endCxn id="10" idx="2"/>
+          </p:cNvCxnSpPr>
+          <p:nvPr/>
+        </p:nvCxnSpPr>
+        <p:spPr>
+          <a:xfrm flipH="1" flipV="1">
+            <a:off x="3207385" y="3734435"/>
+            <a:ext cx="9525" cy="347980"/>
+          </a:xfrm>
+          <a:prstGeom prst="straightConnector1">
+            <a:avLst/>
+          </a:prstGeom>
+          <a:ln>
+            <a:solidFill>
+              <a:srgbClr val="3EAF7C"/>
+            </a:solidFill>
+            <a:tailEnd type="arrow" w="med" len="med"/>
+          </a:ln>
+        </p:spPr>
+        <p:style>
+          <a:lnRef idx="3">
+            <a:schemeClr val="dk1"/>
+          </a:lnRef>
+          <a:fillRef idx="0">
+            <a:schemeClr val="dk1"/>
+          </a:fillRef>
+          <a:effectRef idx="2">
+            <a:schemeClr val="dk1"/>
+          </a:effectRef>
+          <a:fontRef idx="minor">
+            <a:schemeClr val="tx1"/>
+          </a:fontRef>
+        </p:style>
+      </p:cxnSp>
+      <p:cxnSp>
+        <p:nvCxnSpPr>
+          <p:cNvPr id="57" name="直接箭头连接符 56"/>
+          <p:cNvCxnSpPr>
+            <a:stCxn id="11" idx="0"/>
+            <a:endCxn id="54" idx="2"/>
+          </p:cNvCxnSpPr>
+          <p:nvPr/>
+        </p:nvCxnSpPr>
+        <p:spPr>
+          <a:xfrm flipV="1">
+            <a:off x="4888865" y="4323715"/>
+            <a:ext cx="0" cy="282575"/>
+          </a:xfrm>
+          <a:prstGeom prst="straightConnector1">
+            <a:avLst/>
+          </a:prstGeom>
+          <a:ln>
+            <a:solidFill>
+              <a:srgbClr val="3EAF7C"/>
+            </a:solidFill>
+            <a:tailEnd type="arrow" w="med" len="med"/>
+          </a:ln>
+        </p:spPr>
+        <p:style>
+          <a:lnRef idx="3">
+            <a:schemeClr val="dk1"/>
+          </a:lnRef>
+          <a:fillRef idx="0">
+            <a:schemeClr val="dk1"/>
+          </a:fillRef>
+          <a:effectRef idx="2">
+            <a:schemeClr val="dk1"/>
+          </a:effectRef>
+          <a:fontRef idx="minor">
+            <a:schemeClr val="tx1"/>
+          </a:fontRef>
+        </p:style>
+      </p:cxnSp>
+      <p:sp>
+        <p:nvSpPr>
+          <p:cNvPr id="59" name="矩形 58"/>
           <p:cNvSpPr/>
           <p:nvPr/>
         </p:nvSpPr>
         <p:spPr>
           <a:xfrm>
-            <a:off x="1227455" y="6593840"/>
-            <a:ext cx="3817620" cy="211455"/>
+            <a:off x="1727200" y="2883535"/>
+            <a:ext cx="1151255" cy="315595"/>
           </a:xfrm>
           <a:prstGeom prst="rect">
             <a:avLst/>
@@ -4212,28 +4718,64 @@
           <a:p>
             <a:pPr algn="ctr"/>
             <a:r>
-              <a:rPr lang="en-US" altLang="zh-CN" sz="1200">
+              <a:rPr lang="en-US" altLang="zh-CN" sz="970" b="1">
+                <a:ln>
+                  <a:noFill/>
+                </a:ln>
                 <a:solidFill>
                   <a:srgbClr val="2C3E50"/>
                 </a:solidFill>
-                <a:sym typeface="+mn-ea"/>
               </a:rPr>
-              <a:t>缓存行</a:t>
-            </a:r>
-            <a:endParaRPr lang="zh-CN" altLang="en-US" sz="1200"/>
-          </a:p>
-        </p:txBody>
-      </p:sp>
-      <p:sp>
-        <p:nvSpPr>
-          <p:cNvPr id="14" name="矩形 13"/>
+              <a:t>Invalidate</a:t>
+            </a:r>
+            <a:endParaRPr lang="en-US" altLang="zh-CN" sz="970" b="1">
+              <a:ln>
+                <a:noFill/>
+              </a:ln>
+              <a:solidFill>
+                <a:srgbClr val="2C3E50"/>
+              </a:solidFill>
+            </a:endParaRPr>
+          </a:p>
+          <a:p>
+            <a:pPr algn="ctr"/>
+            <a:r>
+              <a:rPr lang="en-US" altLang="zh-CN" sz="970" b="1">
+                <a:ln>
+                  <a:noFill/>
+                </a:ln>
+                <a:solidFill>
+                  <a:srgbClr val="2C3E50"/>
+                </a:solidFill>
+              </a:rPr>
+              <a:t>Queu</a:t>
+            </a:r>
+            <a:r>
+              <a:rPr lang="en-US" altLang="zh-CN" sz="970" b="1">
+                <a:ln>
+                  <a:noFill/>
+                </a:ln>
+              </a:rPr>
+              <a:t>e</a:t>
+            </a:r>
+            <a:endParaRPr lang="en-US" altLang="zh-CN" sz="970" b="1">
+              <a:ln>
+                <a:noFill/>
+              </a:ln>
+            </a:endParaRPr>
+          </a:p>
+        </p:txBody>
+      </p:sp>
+      <p:sp>
+        <p:nvSpPr>
+          <p:cNvPr id="60" name="矩形 59"/>
           <p:cNvSpPr/>
           <p:nvPr/>
         </p:nvSpPr>
         <p:spPr>
           <a:xfrm>
-            <a:off x="1219200" y="4882515"/>
-            <a:ext cx="3817620" cy="211455"/>
+            <a:off x="3536315" y="2933065"/>
+            <a:ext cx="1151255" cy="315595"/>
           </a:xfrm>
           <a:prstGeom prst="rect">
             <a:avLst/>
@@ -4275,44 +4817,151 @@
           <a:p>
             <a:pPr algn="ctr"/>
             <a:r>
-              <a:rPr lang="" altLang="zh-CN" sz="1000">
+              <a:rPr lang="en-US" altLang="zh-CN" sz="970" b="1">
+                <a:ln>
+                  <a:noFill/>
+                </a:ln>
                 <a:solidFill>
                   <a:srgbClr val="2C3E50"/>
                 </a:solidFill>
               </a:rPr>
-              <a:t>缓存行</a:t>
-            </a:r>
-            <a:endParaRPr lang="" altLang="zh-CN" sz="1000">
+              <a:t>Invalidate</a:t>
+            </a:r>
+            <a:endParaRPr lang="en-US" altLang="zh-CN" sz="970" b="1">
+              <a:ln>
+                <a:noFill/>
+              </a:ln>
               <a:solidFill>
                 <a:srgbClr val="2C3E50"/>
               </a:solidFill>
             </a:endParaRPr>
           </a:p>
-        </p:txBody>
-      </p:sp>
-      <p:sp>
-        <p:nvSpPr>
-          <p:cNvPr id="15" name="矩形 14"/>
+          <a:p>
+            <a:pPr algn="ctr"/>
+            <a:r>
+              <a:rPr lang="en-US" altLang="zh-CN" sz="970" b="1">
+                <a:ln>
+                  <a:noFill/>
+                </a:ln>
+                <a:solidFill>
+                  <a:srgbClr val="2C3E50"/>
+                </a:solidFill>
+              </a:rPr>
+              <a:t>Queu</a:t>
+            </a:r>
+            <a:r>
+              <a:rPr lang="en-US" altLang="zh-CN" sz="970" b="1">
+                <a:ln>
+                  <a:noFill/>
+                </a:ln>
+              </a:rPr>
+              <a:t>e</a:t>
+            </a:r>
+            <a:endParaRPr lang="en-US" altLang="zh-CN" sz="970" b="1">
+              <a:ln>
+                <a:noFill/>
+              </a:ln>
+            </a:endParaRPr>
+          </a:p>
+        </p:txBody>
+      </p:sp>
+      <p:cxnSp>
+        <p:nvCxnSpPr>
+          <p:cNvPr id="61" name="直接箭头连接符 60"/>
+          <p:cNvCxnSpPr/>
+          <p:nvPr/>
+        </p:nvCxnSpPr>
+        <p:spPr>
+          <a:xfrm flipV="1">
+            <a:off x="2284095" y="3204210"/>
+            <a:ext cx="0" cy="312420"/>
+          </a:xfrm>
+          <a:prstGeom prst="straightConnector1">
+            <a:avLst/>
+          </a:prstGeom>
+          <a:ln w="25400">
+            <a:solidFill>
+              <a:srgbClr val="3EAF7C"/>
+            </a:solidFill>
+            <a:tailEnd type="arrow" w="med" len="med"/>
+          </a:ln>
+        </p:spPr>
+        <p:style>
+          <a:lnRef idx="3">
+            <a:schemeClr val="dk1"/>
+          </a:lnRef>
+          <a:fillRef idx="0">
+            <a:schemeClr val="dk1"/>
+          </a:fillRef>
+          <a:effectRef idx="2">
+            <a:schemeClr val="dk1"/>
+          </a:effectRef>
+          <a:fontRef idx="minor">
+            <a:schemeClr val="tx1"/>
+          </a:fontRef>
+        </p:style>
+      </p:cxnSp>
+      <p:cxnSp>
+        <p:nvCxnSpPr>
+          <p:cNvPr id="62" name="直接箭头连接符 61"/>
+          <p:cNvCxnSpPr/>
+          <p:nvPr/>
+        </p:nvCxnSpPr>
+        <p:spPr>
+          <a:xfrm flipV="1">
+            <a:off x="4105910" y="3247390"/>
+            <a:ext cx="0" cy="312420"/>
+          </a:xfrm>
+          <a:prstGeom prst="straightConnector1">
+            <a:avLst/>
+          </a:prstGeom>
+          <a:ln w="25400">
+            <a:solidFill>
+              <a:srgbClr val="3EAF7C"/>
+            </a:solidFill>
+            <a:tailEnd type="arrow" w="med" len="med"/>
+          </a:ln>
+        </p:spPr>
+        <p:style>
+          <a:lnRef idx="3">
+            <a:schemeClr val="dk1"/>
+          </a:lnRef>
+          <a:fillRef idx="0">
+            <a:schemeClr val="dk1"/>
+          </a:fillRef>
+          <a:effectRef idx="2">
+            <a:schemeClr val="dk1"/>
+          </a:effectRef>
+          <a:fontRef idx="minor">
+            <a:schemeClr val="tx1"/>
+          </a:fontRef>
+        </p:style>
+      </p:cxnSp>
+      <p:sp>
+        <p:nvSpPr>
+          <p:cNvPr id="63" name="矩形 62"/>
           <p:cNvSpPr/>
           <p:nvPr/>
         </p:nvSpPr>
         <p:spPr>
           <a:xfrm>
-            <a:off x="3944620" y="5093970"/>
-            <a:ext cx="169545" cy="575310"/>
+            <a:off x="5104765" y="1134110"/>
+            <a:ext cx="1132205" cy="315595"/>
           </a:xfrm>
           <a:prstGeom prst="rect">
             <a:avLst/>
           </a:prstGeom>
           <a:noFill/>
           <a:ln>
-            <a:noFill/>
+            <a:solidFill>
+              <a:srgbClr val="3EAF7C"/>
+            </a:solidFill>
           </a:ln>
           <a:extLst>
             <a:ext uri="{909E8E84-426E-40DD-AFC4-6F175D3DCCD1}">
               <a14:hiddenFill xmlns:a14="http://schemas.microsoft.com/office/drawing/2010/main">
                 <a:solidFill>
-                  <a:schemeClr val="accent1"/>
+                  <a:srgbClr val="3EAF7C"/>
                 </a:solidFill>
               </a14:hiddenFill>
             </a:ext>
@@ -4339,76 +4988,54 @@
           <a:p>
             <a:pPr algn="ctr"/>
             <a:r>
-              <a:rPr lang="" altLang="zh-CN" sz="1400" b="1">
+              <a:rPr lang="en-US" altLang="zh-CN" sz="1245" b="1">
                 <a:solidFill>
                   <a:srgbClr val="2C3E50"/>
                 </a:solidFill>
               </a:rPr>
-              <a:t>.</a:t>
-            </a:r>
-            <a:endParaRPr lang="" altLang="zh-CN" sz="1400" b="1">
+              <a:t>CPU</a:t>
+            </a:r>
+            <a:r>
+              <a:rPr lang="" altLang="en-US" sz="1245" b="1">
+                <a:solidFill>
+                  <a:srgbClr val="2C3E50"/>
+                </a:solidFill>
+              </a:rPr>
+              <a:t>3</a:t>
+            </a:r>
+            <a:endParaRPr lang="" altLang="en-US" sz="1245" b="1">
               <a:solidFill>
                 <a:srgbClr val="2C3E50"/>
               </a:solidFill>
             </a:endParaRPr>
           </a:p>
-          <a:p>
-            <a:pPr algn="ctr"/>
-            <a:r>
-              <a:rPr lang="" altLang="zh-CN" sz="1400" b="1">
-                <a:solidFill>
-                  <a:srgbClr val="2C3E50"/>
-                </a:solidFill>
-              </a:rPr>
-              <a:t>.</a:t>
-            </a:r>
-            <a:endParaRPr lang="" altLang="zh-CN" sz="1400" b="1">
-              <a:solidFill>
-                <a:srgbClr val="2C3E50"/>
-              </a:solidFill>
-            </a:endParaRPr>
-          </a:p>
-          <a:p>
-            <a:pPr algn="ctr"/>
-            <a:r>
-              <a:rPr lang="" altLang="zh-CN" sz="1400" b="1">
-                <a:solidFill>
-                  <a:srgbClr val="2C3E50"/>
-                </a:solidFill>
-              </a:rPr>
-              <a:t>.</a:t>
-            </a:r>
-            <a:endParaRPr lang="" altLang="zh-CN" sz="1400" b="1">
-              <a:solidFill>
-                <a:srgbClr val="2C3E50"/>
-              </a:solidFill>
-            </a:endParaRPr>
-          </a:p>
-        </p:txBody>
-      </p:sp>
-      <p:sp>
-        <p:nvSpPr>
-          <p:cNvPr id="16" name="矩形 15"/>
+        </p:txBody>
+      </p:sp>
+      <p:sp>
+        <p:nvSpPr>
+          <p:cNvPr id="64" name="矩形 63"/>
           <p:cNvSpPr/>
           <p:nvPr/>
         </p:nvSpPr>
         <p:spPr>
           <a:xfrm>
-            <a:off x="1988820" y="5093970"/>
-            <a:ext cx="169545" cy="575310"/>
+            <a:off x="6903085" y="1149985"/>
+            <a:ext cx="1162050" cy="315595"/>
           </a:xfrm>
           <a:prstGeom prst="rect">
             <a:avLst/>
           </a:prstGeom>
           <a:noFill/>
           <a:ln>
-            <a:noFill/>
+            <a:solidFill>
+              <a:srgbClr val="3EAF7C"/>
+            </a:solidFill>
           </a:ln>
           <a:extLst>
             <a:ext uri="{909E8E84-426E-40DD-AFC4-6F175D3DCCD1}">
               <a14:hiddenFill xmlns:a14="http://schemas.microsoft.com/office/drawing/2010/main">
                 <a:solidFill>
-                  <a:schemeClr val="accent1"/>
+                  <a:srgbClr val="3EAF7C"/>
                 </a:solidFill>
               </a14:hiddenFill>
             </a:ext>
@@ -4435,30 +5062,88 @@
           <a:p>
             <a:pPr algn="ctr"/>
             <a:r>
-              <a:rPr lang="en-US" altLang="zh-CN" sz="1400" b="1">
+              <a:rPr lang="en-US" altLang="zh-CN" sz="1245" b="1">
                 <a:solidFill>
                   <a:srgbClr val="2C3E50"/>
                 </a:solidFill>
               </a:rPr>
-              <a:t>.</a:t>
-            </a:r>
-            <a:endParaRPr lang="en-US" altLang="zh-CN" sz="1400" b="1">
+              <a:t>CPU</a:t>
+            </a:r>
+            <a:r>
+              <a:rPr lang="" altLang="en-US" sz="1245" b="1">
+                <a:solidFill>
+                  <a:srgbClr val="2C3E50"/>
+                </a:solidFill>
+              </a:rPr>
+              <a:t>4</a:t>
+            </a:r>
+            <a:endParaRPr lang="" altLang="en-US" sz="1245" b="1">
               <a:solidFill>
                 <a:srgbClr val="2C3E50"/>
               </a:solidFill>
             </a:endParaRPr>
           </a:p>
+        </p:txBody>
+      </p:sp>
+      <p:sp>
+        <p:nvSpPr>
+          <p:cNvPr id="65" name="矩形 64"/>
+          <p:cNvSpPr/>
+          <p:nvPr/>
+        </p:nvSpPr>
+        <p:spPr>
+          <a:xfrm>
+            <a:off x="5767705" y="1754505"/>
+            <a:ext cx="469265" cy="315595"/>
+          </a:xfrm>
+          <a:prstGeom prst="rect">
+            <a:avLst/>
+          </a:prstGeom>
+          <a:noFill/>
+          <a:ln>
+            <a:solidFill>
+              <a:srgbClr val="3EAF7C"/>
+            </a:solidFill>
+          </a:ln>
+          <a:extLst>
+            <a:ext uri="{909E8E84-426E-40DD-AFC4-6F175D3DCCD1}">
+              <a14:hiddenFill xmlns:a14="http://schemas.microsoft.com/office/drawing/2010/main">
+                <a:solidFill>
+                  <a:schemeClr val="accent1"/>
+                </a:solidFill>
+              </a14:hiddenFill>
+            </a:ext>
+          </a:extLst>
+        </p:spPr>
+        <p:style>
+          <a:lnRef idx="2">
+            <a:schemeClr val="accent1">
+              <a:shade val="50000"/>
+            </a:schemeClr>
+          </a:lnRef>
+          <a:fillRef idx="1">
+            <a:schemeClr val="accent1"/>
+          </a:fillRef>
+          <a:effectRef idx="0">
+            <a:schemeClr val="accent1"/>
+          </a:effectRef>
+          <a:fontRef idx="minor">
+            <a:schemeClr val="lt1"/>
+          </a:fontRef>
+        </p:style>
+        <p:txBody>
+          <a:bodyPr rtlCol="0" anchor="ctr"/>
           <a:p>
             <a:pPr algn="ctr"/>
             <a:r>
-              <a:rPr lang="en-US" altLang="zh-CN" sz="1400" b="1">
+              <a:rPr lang="en-US" altLang="zh-CN" sz="800">
                 <a:solidFill>
                   <a:srgbClr val="2C3E50"/>
                 </a:solidFill>
               </a:rPr>
-              <a:t>.</a:t>
-            </a:r>
-            <a:endParaRPr lang="en-US" altLang="zh-CN" sz="1400" b="1">
+              <a:t>Store</a:t>
+            </a:r>
+            <a:endParaRPr lang="en-US" altLang="zh-CN" sz="800">
               <a:solidFill>
                 <a:srgbClr val="2C3E50"/>
               </a:solidFill>
@@ -4467,14 +5152,14 @@
           <a:p>
             <a:pPr algn="ctr"/>
             <a:r>
-              <a:rPr lang="en-US" altLang="zh-CN" sz="1400" b="1">
+              <a:rPr lang="en-US" altLang="zh-CN" sz="800">
                 <a:solidFill>
                   <a:srgbClr val="2C3E50"/>
                 </a:solidFill>
               </a:rPr>
-              <a:t>.</a:t>
-            </a:r>
-            <a:endParaRPr lang="en-US" altLang="zh-CN" sz="1400" b="1">
+              <a:t>buffer</a:t>
+            </a:r>
+            <a:endParaRPr lang="en-US" altLang="zh-CN" sz="800">
               <a:solidFill>
                 <a:srgbClr val="2C3E50"/>
               </a:solidFill>
@@ -4482,16 +5167,341 @@
           </a:p>
         </p:txBody>
       </p:sp>
+      <p:sp>
+        <p:nvSpPr>
+          <p:cNvPr id="66" name="矩形 65"/>
+          <p:cNvSpPr/>
+          <p:nvPr/>
+        </p:nvSpPr>
+        <p:spPr>
+          <a:xfrm>
+            <a:off x="5104765" y="2343785"/>
+            <a:ext cx="1132205" cy="315595"/>
+          </a:xfrm>
+          <a:prstGeom prst="rect">
+            <a:avLst/>
+          </a:prstGeom>
+          <a:noFill/>
+          <a:ln>
+            <a:solidFill>
+              <a:srgbClr val="3EAF7C"/>
+            </a:solidFill>
+          </a:ln>
+          <a:extLst>
+            <a:ext uri="{909E8E84-426E-40DD-AFC4-6F175D3DCCD1}">
+              <a14:hiddenFill xmlns:a14="http://schemas.microsoft.com/office/drawing/2010/main">
+                <a:solidFill>
+                  <a:schemeClr val="accent1"/>
+                </a:solidFill>
+              </a14:hiddenFill>
+            </a:ext>
+          </a:extLst>
+        </p:spPr>
+        <p:style>
+          <a:lnRef idx="2">
+            <a:schemeClr val="accent1">
+              <a:shade val="50000"/>
+            </a:schemeClr>
+          </a:lnRef>
+          <a:fillRef idx="1">
+            <a:schemeClr val="accent1"/>
+          </a:fillRef>
+          <a:effectRef idx="0">
+            <a:schemeClr val="accent1"/>
+          </a:effectRef>
+          <a:fontRef idx="minor">
+            <a:schemeClr val="lt1"/>
+          </a:fontRef>
+        </p:style>
+        <p:txBody>
+          <a:bodyPr rtlCol="0" anchor="ctr"/>
+          <a:p>
+            <a:pPr algn="ctr"/>
+            <a:r>
+              <a:rPr lang="en-US" altLang="zh-CN" sz="970" b="1">
+                <a:ln>
+                  <a:noFill/>
+                </a:ln>
+              </a:rPr>
+              <a:t>r</a:t>
+            </a:r>
+            <a:r>
+              <a:rPr lang="en-US" altLang="zh-CN" sz="970" b="1">
+                <a:ln>
+                  <a:noFill/>
+                </a:ln>
+                <a:solidFill>
+                  <a:srgbClr val="2C3E50"/>
+                </a:solidFill>
+              </a:rPr>
+              <a:t>catch</a:t>
+            </a:r>
+            <a:endParaRPr lang="en-US" altLang="zh-CN" sz="970" b="1">
+              <a:ln>
+                <a:noFill/>
+              </a:ln>
+              <a:solidFill>
+                <a:srgbClr val="2C3E50"/>
+              </a:solidFill>
+            </a:endParaRPr>
+          </a:p>
+        </p:txBody>
+      </p:sp>
+      <p:sp>
+        <p:nvSpPr>
+          <p:cNvPr id="67" name="矩形 66"/>
+          <p:cNvSpPr/>
+          <p:nvPr/>
+        </p:nvSpPr>
+        <p:spPr>
+          <a:xfrm>
+            <a:off x="7377430" y="1770380"/>
+            <a:ext cx="469265" cy="315595"/>
+          </a:xfrm>
+          <a:prstGeom prst="rect">
+            <a:avLst/>
+          </a:prstGeom>
+          <a:noFill/>
+          <a:ln>
+            <a:solidFill>
+              <a:srgbClr val="3EAF7C"/>
+            </a:solidFill>
+          </a:ln>
+          <a:extLst>
+            <a:ext uri="{909E8E84-426E-40DD-AFC4-6F175D3DCCD1}">
+              <a14:hiddenFill xmlns:a14="http://schemas.microsoft.com/office/drawing/2010/main">
+                <a:solidFill>
+                  <a:schemeClr val="accent1"/>
+                </a:solidFill>
+              </a14:hiddenFill>
+            </a:ext>
+          </a:extLst>
+        </p:spPr>
+        <p:style>
+          <a:lnRef idx="2">
+            <a:schemeClr val="accent1">
+              <a:shade val="50000"/>
+            </a:schemeClr>
+          </a:lnRef>
+          <a:fillRef idx="1">
+            <a:schemeClr val="accent1"/>
+          </a:fillRef>
+          <a:effectRef idx="0">
+            <a:schemeClr val="accent1"/>
+          </a:effectRef>
+          <a:fontRef idx="minor">
+            <a:schemeClr val="lt1"/>
+          </a:fontRef>
+        </p:style>
+        <p:txBody>
+          <a:bodyPr rtlCol="0" anchor="ctr"/>
+          <a:p>
+            <a:pPr algn="ctr"/>
+            <a:r>
+              <a:rPr lang="en-US" altLang="zh-CN" sz="800">
+                <a:solidFill>
+                  <a:srgbClr val="2C3E50"/>
+                </a:solidFill>
+              </a:rPr>
+              <a:t>Store</a:t>
+            </a:r>
+            <a:endParaRPr lang="en-US" altLang="zh-CN" sz="800">
+              <a:solidFill>
+                <a:srgbClr val="2C3E50"/>
+              </a:solidFill>
+            </a:endParaRPr>
+          </a:p>
+          <a:p>
+            <a:pPr algn="ctr"/>
+            <a:r>
+              <a:rPr lang="en-US" altLang="zh-CN" sz="800">
+                <a:solidFill>
+                  <a:srgbClr val="2C3E50"/>
+                </a:solidFill>
+              </a:rPr>
+              <a:t>buffer</a:t>
+            </a:r>
+            <a:endParaRPr lang="en-US" altLang="zh-CN" sz="800">
+              <a:solidFill>
+                <a:srgbClr val="2C3E50"/>
+              </a:solidFill>
+            </a:endParaRPr>
+          </a:p>
+        </p:txBody>
+      </p:sp>
+      <p:sp>
+        <p:nvSpPr>
+          <p:cNvPr id="68" name="矩形 67"/>
+          <p:cNvSpPr/>
+          <p:nvPr/>
+        </p:nvSpPr>
+        <p:spPr>
+          <a:xfrm>
+            <a:off x="6913880" y="2359660"/>
+            <a:ext cx="1150620" cy="315595"/>
+          </a:xfrm>
+          <a:prstGeom prst="rect">
+            <a:avLst/>
+          </a:prstGeom>
+          <a:noFill/>
+          <a:ln>
+            <a:solidFill>
+              <a:srgbClr val="3EAF7C"/>
+            </a:solidFill>
+          </a:ln>
+          <a:extLst>
+            <a:ext uri="{909E8E84-426E-40DD-AFC4-6F175D3DCCD1}">
+              <a14:hiddenFill xmlns:a14="http://schemas.microsoft.com/office/drawing/2010/main">
+                <a:solidFill>
+                  <a:schemeClr val="accent1"/>
+                </a:solidFill>
+              </a14:hiddenFill>
+            </a:ext>
+          </a:extLst>
+        </p:spPr>
+        <p:style>
+          <a:lnRef idx="2">
+            <a:schemeClr val="accent1">
+              <a:shade val="50000"/>
+            </a:schemeClr>
+          </a:lnRef>
+          <a:fillRef idx="1">
+            <a:schemeClr val="accent1"/>
+          </a:fillRef>
+          <a:effectRef idx="0">
+            <a:schemeClr val="accent1"/>
+          </a:effectRef>
+          <a:fontRef idx="minor">
+            <a:schemeClr val="lt1"/>
+          </a:fontRef>
+        </p:style>
+        <p:txBody>
+          <a:bodyPr rtlCol="0" anchor="ctr"/>
+          <a:p>
+            <a:pPr algn="ctr"/>
+            <a:r>
+              <a:rPr lang="en-US" altLang="zh-CN" sz="970" b="1">
+                <a:ln>
+                  <a:noFill/>
+                </a:ln>
+              </a:rPr>
+              <a:t>r</a:t>
+            </a:r>
+            <a:r>
+              <a:rPr lang="en-US" altLang="zh-CN" sz="970" b="1">
+                <a:ln>
+                  <a:noFill/>
+                </a:ln>
+                <a:solidFill>
+                  <a:srgbClr val="2C3E50"/>
+                </a:solidFill>
+              </a:rPr>
+              <a:t>catch</a:t>
+            </a:r>
+            <a:endParaRPr lang="en-US" altLang="zh-CN" sz="970" b="1">
+              <a:ln>
+                <a:noFill/>
+              </a:ln>
+              <a:solidFill>
+                <a:srgbClr val="2C3E50"/>
+              </a:solidFill>
+            </a:endParaRPr>
+          </a:p>
+        </p:txBody>
+      </p:sp>
+      <p:sp>
+        <p:nvSpPr>
+          <p:cNvPr id="69" name="矩形 68"/>
+          <p:cNvSpPr/>
+          <p:nvPr/>
+        </p:nvSpPr>
+        <p:spPr>
+          <a:xfrm>
+            <a:off x="5104765" y="3513455"/>
+            <a:ext cx="2960370" cy="217805"/>
+          </a:xfrm>
+          <a:prstGeom prst="rect">
+            <a:avLst/>
+          </a:prstGeom>
+          <a:noFill/>
+          <a:ln>
+            <a:solidFill>
+              <a:srgbClr val="3EAF7C"/>
+            </a:solidFill>
+          </a:ln>
+          <a:extLst>
+            <a:ext uri="{909E8E84-426E-40DD-AFC4-6F175D3DCCD1}">
+              <a14:hiddenFill xmlns:a14="http://schemas.microsoft.com/office/drawing/2010/main">
+                <a:solidFill>
+                  <a:schemeClr val="accent1"/>
+                </a:solidFill>
+              </a14:hiddenFill>
+            </a:ext>
+          </a:extLst>
+        </p:spPr>
+        <p:style>
+          <a:lnRef idx="2">
+            <a:schemeClr val="accent1">
+              <a:shade val="50000"/>
+            </a:schemeClr>
+          </a:lnRef>
+          <a:fillRef idx="1">
+            <a:schemeClr val="accent1"/>
+          </a:fillRef>
+          <a:effectRef idx="0">
+            <a:schemeClr val="accent1"/>
+          </a:effectRef>
+          <a:fontRef idx="minor">
+            <a:schemeClr val="lt1"/>
+          </a:fontRef>
+        </p:style>
+        <p:txBody>
+          <a:bodyPr rtlCol="0" anchor="ctr"/>
+          <a:p>
+            <a:pPr algn="ctr"/>
+            <a:r>
+              <a:rPr lang="en-US" altLang="en-US" sz="970" b="1">
+                <a:ln>
+                  <a:noFill/>
+                </a:ln>
+              </a:rPr>
+              <a:t>互</a:t>
+            </a:r>
+            <a:r>
+              <a:rPr lang="en-US" altLang="en-US" sz="970" b="1">
+                <a:ln>
+                  <a:noFill/>
+                </a:ln>
+                <a:solidFill>
+                  <a:srgbClr val="2C3E50"/>
+                </a:solidFill>
+              </a:rPr>
+              <a:t>Interconnect</a:t>
+            </a:r>
+            <a:endParaRPr lang="en-US" altLang="en-US" sz="970" b="1">
+              <a:ln>
+                <a:noFill/>
+              </a:ln>
+              <a:solidFill>
+                <a:srgbClr val="2C3E50"/>
+              </a:solidFill>
+            </a:endParaRPr>
+          </a:p>
+        </p:txBody>
+      </p:sp>
       <p:cxnSp>
         <p:nvCxnSpPr>
-          <p:cNvPr id="17" name="直接箭头连接符 16"/>
-          <p:cNvCxnSpPr/>
+          <p:cNvPr id="70" name="直接箭头连接符 69"/>
+          <p:cNvCxnSpPr>
+            <a:stCxn id="83" idx="0"/>
+            <a:endCxn id="66" idx="2"/>
+          </p:cNvCxnSpPr>
           <p:nvPr/>
         </p:nvCxnSpPr>
         <p:spPr>
-          <a:xfrm flipV="1">
-            <a:off x="1985010" y="6805295"/>
-            <a:ext cx="3810" cy="414020"/>
+          <a:xfrm flipH="1" flipV="1">
+            <a:off x="5671185" y="2659380"/>
+            <a:ext cx="9525" cy="224155"/>
           </a:xfrm>
           <a:prstGeom prst="straightConnector1">
             <a:avLst/>
@@ -4520,14 +5530,14 @@
       </p:cxnSp>
       <p:cxnSp>
         <p:nvCxnSpPr>
-          <p:cNvPr id="18" name="直接箭头连接符 17"/>
+          <p:cNvPr id="71" name="直接箭头连接符 70"/>
           <p:cNvCxnSpPr/>
           <p:nvPr/>
         </p:nvCxnSpPr>
         <p:spPr>
-          <a:xfrm flipV="1">
-            <a:off x="1988820" y="5890895"/>
-            <a:ext cx="0" cy="702945"/>
+          <a:xfrm flipH="1" flipV="1">
+            <a:off x="7483475" y="2675255"/>
+            <a:ext cx="635" cy="273685"/>
           </a:xfrm>
           <a:prstGeom prst="straightConnector1">
             <a:avLst/>
@@ -4556,14 +5566,14 @@
       </p:cxnSp>
       <p:cxnSp>
         <p:nvCxnSpPr>
-          <p:cNvPr id="19" name="直接箭头连接符 18"/>
+          <p:cNvPr id="72" name="直接箭头连接符 71"/>
           <p:cNvCxnSpPr/>
           <p:nvPr/>
         </p:nvCxnSpPr>
         <p:spPr>
-          <a:xfrm flipH="1" flipV="1">
-            <a:off x="1988820" y="4417060"/>
-            <a:ext cx="635" cy="440690"/>
+          <a:xfrm flipV="1">
+            <a:off x="5567045" y="1465580"/>
+            <a:ext cx="0" cy="878205"/>
           </a:xfrm>
           <a:prstGeom prst="straightConnector1">
             <a:avLst/>
@@ -4592,14 +5602,14 @@
       </p:cxnSp>
       <p:cxnSp>
         <p:nvCxnSpPr>
-          <p:cNvPr id="20" name="直接箭头连接符 19"/>
+          <p:cNvPr id="73" name="直接箭头连接符 72"/>
           <p:cNvCxnSpPr/>
           <p:nvPr/>
         </p:nvCxnSpPr>
         <p:spPr>
-          <a:xfrm flipH="1" flipV="1">
-            <a:off x="4342130" y="4417060"/>
-            <a:ext cx="635" cy="440690"/>
+          <a:xfrm flipV="1">
+            <a:off x="7181215" y="1465580"/>
+            <a:ext cx="0" cy="878205"/>
           </a:xfrm>
           <a:prstGeom prst="straightConnector1">
             <a:avLst/>
@@ -4628,14 +5638,16 @@
       </p:cxnSp>
       <p:cxnSp>
         <p:nvCxnSpPr>
-          <p:cNvPr id="21" name="直接箭头连接符 20"/>
-          <p:cNvCxnSpPr/>
+          <p:cNvPr id="74" name="直接箭头连接符 73"/>
+          <p:cNvCxnSpPr>
+            <a:endCxn id="65" idx="0"/>
+          </p:cNvCxnSpPr>
           <p:nvPr/>
         </p:nvCxnSpPr>
         <p:spPr>
-          <a:xfrm flipV="1">
-            <a:off x="1659255" y="2496185"/>
-            <a:ext cx="0" cy="1413510"/>
+          <a:xfrm>
+            <a:off x="6000115" y="1465580"/>
+            <a:ext cx="2540" cy="288925"/>
           </a:xfrm>
           <a:prstGeom prst="straightConnector1">
             <a:avLst/>
@@ -4664,14 +5676,14 @@
       </p:cxnSp>
       <p:cxnSp>
         <p:nvCxnSpPr>
-          <p:cNvPr id="22" name="直接箭头连接符 21"/>
+          <p:cNvPr id="75" name="直接箭头连接符 74"/>
           <p:cNvCxnSpPr/>
           <p:nvPr/>
         </p:nvCxnSpPr>
         <p:spPr>
-          <a:xfrm flipV="1">
-            <a:off x="3944620" y="2470785"/>
-            <a:ext cx="0" cy="1413510"/>
+          <a:xfrm>
+            <a:off x="7610475" y="1481455"/>
+            <a:ext cx="2540" cy="288925"/>
           </a:xfrm>
           <a:prstGeom prst="straightConnector1">
             <a:avLst/>
@@ -4700,16 +5712,14 @@
       </p:cxnSp>
       <p:cxnSp>
         <p:nvCxnSpPr>
-          <p:cNvPr id="23" name="直接箭头连接符 22"/>
-          <p:cNvCxnSpPr>
-            <a:endCxn id="6" idx="0"/>
-          </p:cNvCxnSpPr>
+          <p:cNvPr id="76" name="直接箭头连接符 75"/>
+          <p:cNvCxnSpPr/>
           <p:nvPr/>
         </p:nvCxnSpPr>
         <p:spPr>
           <a:xfrm>
-            <a:off x="2370455" y="2496185"/>
-            <a:ext cx="3810" cy="464820"/>
+            <a:off x="6002655" y="2054860"/>
+            <a:ext cx="2540" cy="288925"/>
           </a:xfrm>
           <a:prstGeom prst="straightConnector1">
             <a:avLst/>
@@ -4738,14 +5748,14 @@
       </p:cxnSp>
       <p:cxnSp>
         <p:nvCxnSpPr>
-          <p:cNvPr id="24" name="直接箭头连接符 23"/>
+          <p:cNvPr id="77" name="直接箭头连接符 76"/>
           <p:cNvCxnSpPr/>
           <p:nvPr/>
         </p:nvCxnSpPr>
         <p:spPr>
           <a:xfrm>
-            <a:off x="4650105" y="2496185"/>
-            <a:ext cx="3810" cy="464820"/>
+            <a:off x="7608570" y="2085975"/>
+            <a:ext cx="2540" cy="288925"/>
           </a:xfrm>
           <a:prstGeom prst="straightConnector1">
             <a:avLst/>
@@ -4774,14 +5784,14 @@
       </p:cxnSp>
       <p:cxnSp>
         <p:nvCxnSpPr>
-          <p:cNvPr id="25" name="直接箭头连接符 24"/>
+          <p:cNvPr id="78" name="直接箭头连接符 77"/>
           <p:cNvCxnSpPr/>
           <p:nvPr/>
         </p:nvCxnSpPr>
         <p:spPr>
-          <a:xfrm>
-            <a:off x="2374265" y="3444875"/>
-            <a:ext cx="3810" cy="464820"/>
+          <a:xfrm flipH="1" flipV="1">
+            <a:off x="5567045" y="1823085"/>
+            <a:ext cx="205740" cy="4445"/>
           </a:xfrm>
           <a:prstGeom prst="straightConnector1">
             <a:avLst/>
@@ -4810,14 +5820,14 @@
       </p:cxnSp>
       <p:cxnSp>
         <p:nvCxnSpPr>
-          <p:cNvPr id="26" name="直接箭头连接符 25"/>
+          <p:cNvPr id="79" name="直接箭头连接符 78"/>
           <p:cNvCxnSpPr/>
           <p:nvPr/>
         </p:nvCxnSpPr>
         <p:spPr>
-          <a:xfrm>
-            <a:off x="4646295" y="3469005"/>
-            <a:ext cx="3810" cy="464820"/>
+          <a:xfrm flipH="1" flipV="1">
+            <a:off x="7186295" y="1833880"/>
+            <a:ext cx="190500" cy="4445"/>
           </a:xfrm>
           <a:prstGeom prst="straightConnector1">
             <a:avLst/>
@@ -4846,14 +5856,14 @@
       </p:cxnSp>
       <p:cxnSp>
         <p:nvCxnSpPr>
-          <p:cNvPr id="27" name="直接箭头连接符 26"/>
+          <p:cNvPr id="80" name="直接箭头连接符 79"/>
           <p:cNvCxnSpPr/>
           <p:nvPr/>
         </p:nvCxnSpPr>
         <p:spPr>
-          <a:xfrm flipH="1" flipV="1">
-            <a:off x="1659255" y="3071495"/>
-            <a:ext cx="337820" cy="7620"/>
+          <a:xfrm>
+            <a:off x="5567045" y="1986280"/>
+            <a:ext cx="201295" cy="0"/>
           </a:xfrm>
           <a:prstGeom prst="straightConnector1">
             <a:avLst/>
@@ -4882,14 +5892,14 @@
       </p:cxnSp>
       <p:cxnSp>
         <p:nvCxnSpPr>
-          <p:cNvPr id="28" name="直接箭头连接符 27"/>
+          <p:cNvPr id="81" name="直接箭头连接符 80"/>
           <p:cNvCxnSpPr/>
           <p:nvPr/>
         </p:nvCxnSpPr>
         <p:spPr>
-          <a:xfrm flipH="1" flipV="1">
-            <a:off x="3953510" y="3063875"/>
-            <a:ext cx="313055" cy="7620"/>
+          <a:xfrm>
+            <a:off x="7176135" y="2002155"/>
+            <a:ext cx="201295" cy="0"/>
           </a:xfrm>
           <a:prstGeom prst="straightConnector1">
             <a:avLst/>
@@ -4918,14 +5928,250 @@
       </p:cxnSp>
       <p:cxnSp>
         <p:nvCxnSpPr>
-          <p:cNvPr id="29" name="直接箭头连接符 28"/>
+          <p:cNvPr id="82" name="直接箭头连接符 81"/>
+          <p:cNvCxnSpPr>
+            <a:endCxn id="69" idx="2"/>
+          </p:cNvCxnSpPr>
+          <p:nvPr/>
+        </p:nvCxnSpPr>
+        <p:spPr>
+          <a:xfrm flipH="1" flipV="1">
+            <a:off x="6584950" y="3731260"/>
+            <a:ext cx="9525" cy="347980"/>
+          </a:xfrm>
+          <a:prstGeom prst="straightConnector1">
+            <a:avLst/>
+          </a:prstGeom>
+          <a:ln>
+            <a:solidFill>
+              <a:srgbClr val="3EAF7C"/>
+            </a:solidFill>
+            <a:tailEnd type="arrow" w="med" len="med"/>
+          </a:ln>
+        </p:spPr>
+        <p:style>
+          <a:lnRef idx="3">
+            <a:schemeClr val="dk1"/>
+          </a:lnRef>
+          <a:fillRef idx="0">
+            <a:schemeClr val="dk1"/>
+          </a:fillRef>
+          <a:effectRef idx="2">
+            <a:schemeClr val="dk1"/>
+          </a:effectRef>
+          <a:fontRef idx="minor">
+            <a:schemeClr val="tx1"/>
+          </a:fontRef>
+        </p:style>
+      </p:cxnSp>
+      <p:sp>
+        <p:nvSpPr>
+          <p:cNvPr id="83" name="矩形 82"/>
+          <p:cNvSpPr/>
+          <p:nvPr/>
+        </p:nvSpPr>
+        <p:spPr>
+          <a:xfrm>
+            <a:off x="5104765" y="2883535"/>
+            <a:ext cx="1151255" cy="315595"/>
+          </a:xfrm>
+          <a:prstGeom prst="rect">
+            <a:avLst/>
+          </a:prstGeom>
+          <a:noFill/>
+          <a:ln>
+            <a:solidFill>
+              <a:srgbClr val="3EAF7C"/>
+            </a:solidFill>
+          </a:ln>
+          <a:extLst>
+            <a:ext uri="{909E8E84-426E-40DD-AFC4-6F175D3DCCD1}">
+              <a14:hiddenFill xmlns:a14="http://schemas.microsoft.com/office/drawing/2010/main">
+                <a:solidFill>
+                  <a:schemeClr val="accent1"/>
+                </a:solidFill>
+              </a14:hiddenFill>
+            </a:ext>
+          </a:extLst>
+        </p:spPr>
+        <p:style>
+          <a:lnRef idx="2">
+            <a:schemeClr val="accent1">
+              <a:shade val="50000"/>
+            </a:schemeClr>
+          </a:lnRef>
+          <a:fillRef idx="1">
+            <a:schemeClr val="accent1"/>
+          </a:fillRef>
+          <a:effectRef idx="0">
+            <a:schemeClr val="accent1"/>
+          </a:effectRef>
+          <a:fontRef idx="minor">
+            <a:schemeClr val="lt1"/>
+          </a:fontRef>
+        </p:style>
+        <p:txBody>
+          <a:bodyPr rtlCol="0" anchor="ctr"/>
+          <a:p>
+            <a:pPr algn="ctr"/>
+            <a:r>
+              <a:rPr lang="en-US" altLang="zh-CN" sz="970" b="1">
+                <a:ln>
+                  <a:noFill/>
+                </a:ln>
+                <a:solidFill>
+                  <a:srgbClr val="2C3E50"/>
+                </a:solidFill>
+              </a:rPr>
+              <a:t>Invalidate</a:t>
+            </a:r>
+            <a:endParaRPr lang="en-US" altLang="zh-CN" sz="970" b="1">
+              <a:ln>
+                <a:noFill/>
+              </a:ln>
+              <a:solidFill>
+                <a:srgbClr val="2C3E50"/>
+              </a:solidFill>
+            </a:endParaRPr>
+          </a:p>
+          <a:p>
+            <a:pPr algn="ctr"/>
+            <a:r>
+              <a:rPr lang="en-US" altLang="zh-CN" sz="970" b="1">
+                <a:ln>
+                  <a:noFill/>
+                </a:ln>
+                <a:solidFill>
+                  <a:srgbClr val="2C3E50"/>
+                </a:solidFill>
+              </a:rPr>
+              <a:t>Queu</a:t>
+            </a:r>
+            <a:r>
+              <a:rPr lang="en-US" altLang="zh-CN" sz="970" b="1">
+                <a:ln>
+                  <a:noFill/>
+                </a:ln>
+              </a:rPr>
+              <a:t>e</a:t>
+            </a:r>
+            <a:endParaRPr lang="en-US" altLang="zh-CN" sz="970" b="1">
+              <a:ln>
+                <a:noFill/>
+              </a:ln>
+            </a:endParaRPr>
+          </a:p>
+        </p:txBody>
+      </p:sp>
+      <p:sp>
+        <p:nvSpPr>
+          <p:cNvPr id="84" name="矩形 83"/>
+          <p:cNvSpPr/>
+          <p:nvPr/>
+        </p:nvSpPr>
+        <p:spPr>
+          <a:xfrm>
+            <a:off x="6913880" y="2933065"/>
+            <a:ext cx="1151255" cy="315595"/>
+          </a:xfrm>
+          <a:prstGeom prst="rect">
+            <a:avLst/>
+          </a:prstGeom>
+          <a:noFill/>
+          <a:ln>
+            <a:solidFill>
+              <a:srgbClr val="3EAF7C"/>
+            </a:solidFill>
+          </a:ln>
+          <a:extLst>
+            <a:ext uri="{909E8E84-426E-40DD-AFC4-6F175D3DCCD1}">
+              <a14:hiddenFill xmlns:a14="http://schemas.microsoft.com/office/drawing/2010/main">
+                <a:solidFill>
+                  <a:schemeClr val="accent1"/>
+                </a:solidFill>
+              </a14:hiddenFill>
+            </a:ext>
+          </a:extLst>
+        </p:spPr>
+        <p:style>
+          <a:lnRef idx="2">
+            <a:schemeClr val="accent1">
+              <a:shade val="50000"/>
+            </a:schemeClr>
+          </a:lnRef>
+          <a:fillRef idx="1">
+            <a:schemeClr val="accent1"/>
+          </a:fillRef>
+          <a:effectRef idx="0">
+            <a:schemeClr val="accent1"/>
+          </a:effectRef>
+          <a:fontRef idx="minor">
+            <a:schemeClr val="lt1"/>
+          </a:fontRef>
+        </p:style>
+        <p:txBody>
+          <a:bodyPr rtlCol="0" anchor="ctr"/>
+          <a:p>
+            <a:pPr algn="ctr"/>
+            <a:r>
+              <a:rPr lang="en-US" altLang="zh-CN" sz="970" b="1">
+                <a:ln>
+                  <a:noFill/>
+                </a:ln>
+                <a:solidFill>
+                  <a:srgbClr val="2C3E50"/>
+                </a:solidFill>
+              </a:rPr>
+              <a:t>Invalidate</a:t>
+            </a:r>
+            <a:endParaRPr lang="en-US" altLang="zh-CN" sz="970" b="1">
+              <a:ln>
+                <a:noFill/>
+              </a:ln>
+              <a:solidFill>
+                <a:srgbClr val="2C3E50"/>
+              </a:solidFill>
+            </a:endParaRPr>
+          </a:p>
+          <a:p>
+            <a:pPr algn="ctr"/>
+            <a:r>
+              <a:rPr lang="en-US" altLang="zh-CN" sz="970" b="1">
+                <a:ln>
+                  <a:noFill/>
+                </a:ln>
+                <a:solidFill>
+                  <a:srgbClr val="2C3E50"/>
+                </a:solidFill>
+              </a:rPr>
+              <a:t>Queu</a:t>
+            </a:r>
+            <a:r>
+              <a:rPr lang="en-US" altLang="zh-CN" sz="970" b="1">
+                <a:ln>
+                  <a:noFill/>
+                </a:ln>
+              </a:rPr>
+              <a:t>e</a:t>
+            </a:r>
+            <a:endParaRPr lang="en-US" altLang="zh-CN" sz="970" b="1">
+              <a:ln>
+                <a:noFill/>
+              </a:ln>
+            </a:endParaRPr>
+          </a:p>
+        </p:txBody>
+      </p:sp>
+      <p:cxnSp>
+        <p:nvCxnSpPr>
+          <p:cNvPr id="85" name="直接箭头连接符 84"/>
           <p:cNvCxnSpPr/>
           <p:nvPr/>
         </p:nvCxnSpPr>
         <p:spPr>
-          <a:xfrm>
-            <a:off x="1659255" y="3334385"/>
-            <a:ext cx="330200" cy="0"/>
+          <a:xfrm flipV="1">
+            <a:off x="5661660" y="3204210"/>
+            <a:ext cx="0" cy="312420"/>
           </a:xfrm>
           <a:prstGeom prst="straightConnector1">
             <a:avLst/>
@@ -4954,86 +6200,14 @@
       </p:cxnSp>
       <p:cxnSp>
         <p:nvCxnSpPr>
-          <p:cNvPr id="30" name="直接箭头连接符 29"/>
+          <p:cNvPr id="86" name="直接箭头连接符 85"/>
           <p:cNvCxnSpPr/>
           <p:nvPr/>
         </p:nvCxnSpPr>
         <p:spPr>
-          <a:xfrm>
-            <a:off x="3936365" y="3334385"/>
-            <a:ext cx="330200" cy="0"/>
-          </a:xfrm>
-          <a:prstGeom prst="straightConnector1">
-            <a:avLst/>
-          </a:prstGeom>
-          <a:ln w="25400">
-            <a:solidFill>
-              <a:srgbClr val="3EAF7C"/>
-            </a:solidFill>
-            <a:tailEnd type="arrow" w="med" len="med"/>
-          </a:ln>
-        </p:spPr>
-        <p:style>
-          <a:lnRef idx="3">
-            <a:schemeClr val="dk1"/>
-          </a:lnRef>
-          <a:fillRef idx="0">
-            <a:schemeClr val="dk1"/>
-          </a:fillRef>
-          <a:effectRef idx="2">
-            <a:schemeClr val="dk1"/>
-          </a:effectRef>
-          <a:fontRef idx="minor">
-            <a:schemeClr val="tx1"/>
-          </a:fontRef>
-        </p:style>
-      </p:cxnSp>
-      <p:cxnSp>
-        <p:nvCxnSpPr>
-          <p:cNvPr id="31" name="直接箭头连接符 30"/>
-          <p:cNvCxnSpPr/>
-          <p:nvPr/>
-        </p:nvCxnSpPr>
-        <p:spPr>
-          <a:xfrm>
-            <a:off x="4309110" y="6787515"/>
-            <a:ext cx="0" cy="415290"/>
-          </a:xfrm>
-          <a:prstGeom prst="straightConnector1">
-            <a:avLst/>
-          </a:prstGeom>
-          <a:ln w="25400">
-            <a:solidFill>
-              <a:srgbClr val="3EAF7C"/>
-            </a:solidFill>
-            <a:tailEnd type="arrow" w="med" len="med"/>
-          </a:ln>
-        </p:spPr>
-        <p:style>
-          <a:lnRef idx="3">
-            <a:schemeClr val="dk1"/>
-          </a:lnRef>
-          <a:fillRef idx="0">
-            <a:schemeClr val="dk1"/>
-          </a:fillRef>
-          <a:effectRef idx="2">
-            <a:schemeClr val="dk1"/>
-          </a:effectRef>
-          <a:fontRef idx="minor">
-            <a:schemeClr val="tx1"/>
-          </a:fontRef>
-        </p:style>
-      </p:cxnSp>
-      <p:cxnSp>
-        <p:nvCxnSpPr>
-          <p:cNvPr id="32" name="直接箭头连接符 31"/>
-          <p:cNvCxnSpPr/>
-          <p:nvPr/>
-        </p:nvCxnSpPr>
-        <p:spPr>
-          <a:xfrm>
-            <a:off x="4309110" y="5890895"/>
-            <a:ext cx="0" cy="676910"/>
+          <a:xfrm flipV="1">
+            <a:off x="7483475" y="3247390"/>
+            <a:ext cx="0" cy="312420"/>
           </a:xfrm>
           <a:prstGeom prst="straightConnector1">
             <a:avLst/>
